--- a/Slides/04. LINEBOT架設.pptx
+++ b/Slides/04. LINEBOT架設.pptx
@@ -6,7 +6,7 @@
     <p:sldMasterId id="2147483660" r:id="rId2"/>
   </p:sldMasterIdLst>
   <p:notesMasterIdLst>
-    <p:notesMasterId r:id="rId42"/>
+    <p:notesMasterId r:id="rId50"/>
   </p:notesMasterIdLst>
   <p:sldIdLst>
     <p:sldId id="681" r:id="rId3"/>
@@ -48,6 +48,14 @@
     <p:sldId id="1469" r:id="rId39"/>
     <p:sldId id="1470" r:id="rId40"/>
     <p:sldId id="1471" r:id="rId41"/>
+    <p:sldId id="1472" r:id="rId42"/>
+    <p:sldId id="1473" r:id="rId43"/>
+    <p:sldId id="1474" r:id="rId44"/>
+    <p:sldId id="1475" r:id="rId45"/>
+    <p:sldId id="1476" r:id="rId46"/>
+    <p:sldId id="1477" r:id="rId47"/>
+    <p:sldId id="1478" r:id="rId48"/>
+    <p:sldId id="1479" r:id="rId49"/>
   </p:sldIdLst>
   <p:sldSz cx="9144000" cy="6858000" type="screen4x3"/>
   <p:notesSz cx="6858000" cy="9144000"/>
@@ -236,7 +244,7 @@
           <a:p>
             <a:fld id="{90CC8E63-1016-4C78-A51D-85D69DBCD8EF}" type="datetimeFigureOut">
               <a:rPr lang="zh-TW" altLang="en-US" smtClean="0"/>
-              <a:t>2025/5/18</a:t>
+              <a:t>2025/5/25</a:t>
             </a:fld>
             <a:endParaRPr lang="zh-TW" altLang="en-US"/>
           </a:p>
@@ -4768,6 +4776,704 @@
 </p:notes>
 </file>
 
+<file path=ppt/notesSlides/notesSlide32.xml><?xml version="1.0" encoding="utf-8"?>
+<p:notes xmlns:a="http://schemas.openxmlformats.org/drawingml/2006/main" xmlns:r="http://schemas.openxmlformats.org/officeDocument/2006/relationships" xmlns:p="http://schemas.openxmlformats.org/presentationml/2006/main">
+  <p:cSld>
+    <p:spTree>
+      <p:nvGrpSpPr>
+        <p:cNvPr id="1" name="">
+          <a:extLst>
+            <a:ext uri="{FF2B5EF4-FFF2-40B4-BE49-F238E27FC236}">
+              <a16:creationId xmlns:a16="http://schemas.microsoft.com/office/drawing/2014/main" id="{D56F39F4-D306-5EFA-8AA3-0EA8CCE21D58}"/>
+            </a:ext>
+          </a:extLst>
+        </p:cNvPr>
+        <p:cNvGrpSpPr/>
+        <p:nvPr/>
+      </p:nvGrpSpPr>
+      <p:grpSpPr>
+        <a:xfrm>
+          <a:off x="0" y="0"/>
+          <a:ext cx="0" cy="0"/>
+          <a:chOff x="0" y="0"/>
+          <a:chExt cx="0" cy="0"/>
+        </a:xfrm>
+      </p:grpSpPr>
+      <p:sp>
+        <p:nvSpPr>
+          <p:cNvPr id="2" name="投影片圖像版面配置區 1">
+            <a:extLst>
+              <a:ext uri="{FF2B5EF4-FFF2-40B4-BE49-F238E27FC236}">
+                <a16:creationId xmlns:a16="http://schemas.microsoft.com/office/drawing/2014/main" id="{F6947EBC-D15A-EA56-EEBC-F274BEA8A644}"/>
+              </a:ext>
+            </a:extLst>
+          </p:cNvPr>
+          <p:cNvSpPr>
+            <a:spLocks noGrp="1" noRot="1" noChangeAspect="1"/>
+          </p:cNvSpPr>
+          <p:nvPr>
+            <p:ph type="sldImg"/>
+          </p:nvPr>
+        </p:nvSpPr>
+        <p:spPr>
+          <a:xfrm>
+            <a:off x="1371600" y="1143000"/>
+            <a:ext cx="4114800" cy="3086100"/>
+          </a:xfrm>
+        </p:spPr>
+      </p:sp>
+      <p:sp>
+        <p:nvSpPr>
+          <p:cNvPr id="3" name="備忘稿版面配置區 2">
+            <a:extLst>
+              <a:ext uri="{FF2B5EF4-FFF2-40B4-BE49-F238E27FC236}">
+                <a16:creationId xmlns:a16="http://schemas.microsoft.com/office/drawing/2014/main" id="{3455934F-BEA0-51E0-DA18-37C6EAE3B573}"/>
+              </a:ext>
+            </a:extLst>
+          </p:cNvPr>
+          <p:cNvSpPr>
+            <a:spLocks noGrp="1"/>
+          </p:cNvSpPr>
+          <p:nvPr>
+            <p:ph type="body" idx="1"/>
+          </p:nvPr>
+        </p:nvSpPr>
+        <p:spPr/>
+        <p:txBody>
+          <a:bodyPr>
+            <a:normAutofit/>
+          </a:bodyPr>
+          <a:lstStyle/>
+          <a:p>
+            <a:endParaRPr lang="zh-TW" altLang="en-US" dirty="0"/>
+          </a:p>
+        </p:txBody>
+      </p:sp>
+      <p:sp>
+        <p:nvSpPr>
+          <p:cNvPr id="4" name="投影片編號版面配置區 3">
+            <a:extLst>
+              <a:ext uri="{FF2B5EF4-FFF2-40B4-BE49-F238E27FC236}">
+                <a16:creationId xmlns:a16="http://schemas.microsoft.com/office/drawing/2014/main" id="{25D96FBB-471B-192F-8071-0F28E03B37E8}"/>
+              </a:ext>
+            </a:extLst>
+          </p:cNvPr>
+          <p:cNvSpPr>
+            <a:spLocks noGrp="1"/>
+          </p:cNvSpPr>
+          <p:nvPr>
+            <p:ph type="sldNum" sz="quarter" idx="10"/>
+          </p:nvPr>
+        </p:nvSpPr>
+        <p:spPr/>
+        <p:txBody>
+          <a:bodyPr/>
+          <a:lstStyle/>
+          <a:p>
+            <a:pPr marL="0" marR="0" lvl="0" indent="0" algn="r" defTabSz="914400" rtl="0" eaLnBrk="1" fontAlgn="auto" latinLnBrk="0" hangingPunct="1">
+              <a:lnSpc>
+                <a:spcPct val="100000"/>
+              </a:lnSpc>
+              <a:spcBef>
+                <a:spcPts val="0"/>
+              </a:spcBef>
+              <a:spcAft>
+                <a:spcPts val="0"/>
+              </a:spcAft>
+              <a:buClrTx/>
+              <a:buSzTx/>
+              <a:buFontTx/>
+              <a:buNone/>
+              <a:tabLst/>
+              <a:defRPr/>
+            </a:pPr>
+            <a:fld id="{9B26CD33-4337-4529-948A-94F6960B2374}" type="slidenum">
+              <a:rPr kumimoji="0" lang="en-US" sz="1200" b="0" i="0" u="none" strike="noStrike" kern="1200" cap="none" spc="0" normalizeH="0" baseline="0" noProof="0" smtClean="0">
+                <a:ln>
+                  <a:noFill/>
+                </a:ln>
+                <a:solidFill>
+                  <a:prstClr val="black"/>
+                </a:solidFill>
+                <a:effectLst/>
+                <a:uLnTx/>
+                <a:uFillTx/>
+                <a:latin typeface="Calibri"/>
+                <a:ea typeface="+mn-ea"/>
+                <a:cs typeface="+mn-cs"/>
+              </a:rPr>
+              <a:pPr marL="0" marR="0" lvl="0" indent="0" algn="r" defTabSz="914400" rtl="0" eaLnBrk="1" fontAlgn="auto" latinLnBrk="0" hangingPunct="1">
+                <a:lnSpc>
+                  <a:spcPct val="100000"/>
+                </a:lnSpc>
+                <a:spcBef>
+                  <a:spcPts val="0"/>
+                </a:spcBef>
+                <a:spcAft>
+                  <a:spcPts val="0"/>
+                </a:spcAft>
+                <a:buClrTx/>
+                <a:buSzTx/>
+                <a:buFontTx/>
+                <a:buNone/>
+                <a:tabLst/>
+                <a:defRPr/>
+              </a:pPr>
+              <a:t>40</a:t>
+            </a:fld>
+            <a:endParaRPr kumimoji="0" lang="en-US" sz="1200" b="0" i="0" u="none" strike="noStrike" kern="1200" cap="none" spc="0" normalizeH="0" baseline="0" noProof="0" dirty="0">
+              <a:ln>
+                <a:noFill/>
+              </a:ln>
+              <a:solidFill>
+                <a:prstClr val="black"/>
+              </a:solidFill>
+              <a:effectLst/>
+              <a:uLnTx/>
+              <a:uFillTx/>
+              <a:latin typeface="Calibri"/>
+              <a:ea typeface="+mn-ea"/>
+              <a:cs typeface="+mn-cs"/>
+            </a:endParaRPr>
+          </a:p>
+        </p:txBody>
+      </p:sp>
+    </p:spTree>
+    <p:extLst>
+      <p:ext uri="{BB962C8B-B14F-4D97-AF65-F5344CB8AC3E}">
+        <p14:creationId xmlns:p14="http://schemas.microsoft.com/office/powerpoint/2010/main" val="3307465590"/>
+      </p:ext>
+    </p:extLst>
+  </p:cSld>
+  <p:clrMapOvr>
+    <a:masterClrMapping/>
+  </p:clrMapOvr>
+</p:notes>
+</file>
+
+<file path=ppt/notesSlides/notesSlide33.xml><?xml version="1.0" encoding="utf-8"?>
+<p:notes xmlns:a="http://schemas.openxmlformats.org/drawingml/2006/main" xmlns:r="http://schemas.openxmlformats.org/officeDocument/2006/relationships" xmlns:p="http://schemas.openxmlformats.org/presentationml/2006/main">
+  <p:cSld>
+    <p:spTree>
+      <p:nvGrpSpPr>
+        <p:cNvPr id="1" name="">
+          <a:extLst>
+            <a:ext uri="{FF2B5EF4-FFF2-40B4-BE49-F238E27FC236}">
+              <a16:creationId xmlns:a16="http://schemas.microsoft.com/office/drawing/2014/main" id="{7FFE200D-42B8-7184-426A-ED157FBC2535}"/>
+            </a:ext>
+          </a:extLst>
+        </p:cNvPr>
+        <p:cNvGrpSpPr/>
+        <p:nvPr/>
+      </p:nvGrpSpPr>
+      <p:grpSpPr>
+        <a:xfrm>
+          <a:off x="0" y="0"/>
+          <a:ext cx="0" cy="0"/>
+          <a:chOff x="0" y="0"/>
+          <a:chExt cx="0" cy="0"/>
+        </a:xfrm>
+      </p:grpSpPr>
+      <p:sp>
+        <p:nvSpPr>
+          <p:cNvPr id="2" name="投影片圖像版面配置區 1">
+            <a:extLst>
+              <a:ext uri="{FF2B5EF4-FFF2-40B4-BE49-F238E27FC236}">
+                <a16:creationId xmlns:a16="http://schemas.microsoft.com/office/drawing/2014/main" id="{09F8D5BA-DBFF-46C9-C64E-FE4555A5F2CF}"/>
+              </a:ext>
+            </a:extLst>
+          </p:cNvPr>
+          <p:cNvSpPr>
+            <a:spLocks noGrp="1" noRot="1" noChangeAspect="1"/>
+          </p:cNvSpPr>
+          <p:nvPr>
+            <p:ph type="sldImg"/>
+          </p:nvPr>
+        </p:nvSpPr>
+        <p:spPr>
+          <a:xfrm>
+            <a:off x="1371600" y="1143000"/>
+            <a:ext cx="4114800" cy="3086100"/>
+          </a:xfrm>
+        </p:spPr>
+      </p:sp>
+      <p:sp>
+        <p:nvSpPr>
+          <p:cNvPr id="3" name="備忘稿版面配置區 2">
+            <a:extLst>
+              <a:ext uri="{FF2B5EF4-FFF2-40B4-BE49-F238E27FC236}">
+                <a16:creationId xmlns:a16="http://schemas.microsoft.com/office/drawing/2014/main" id="{4B6CADD2-4C86-F1EF-EE92-32889F0DF0C4}"/>
+              </a:ext>
+            </a:extLst>
+          </p:cNvPr>
+          <p:cNvSpPr>
+            <a:spLocks noGrp="1"/>
+          </p:cNvSpPr>
+          <p:nvPr>
+            <p:ph type="body" idx="1"/>
+          </p:nvPr>
+        </p:nvSpPr>
+        <p:spPr/>
+        <p:txBody>
+          <a:bodyPr>
+            <a:normAutofit/>
+          </a:bodyPr>
+          <a:lstStyle/>
+          <a:p>
+            <a:endParaRPr lang="zh-TW" altLang="en-US" dirty="0"/>
+          </a:p>
+        </p:txBody>
+      </p:sp>
+      <p:sp>
+        <p:nvSpPr>
+          <p:cNvPr id="4" name="投影片編號版面配置區 3">
+            <a:extLst>
+              <a:ext uri="{FF2B5EF4-FFF2-40B4-BE49-F238E27FC236}">
+                <a16:creationId xmlns:a16="http://schemas.microsoft.com/office/drawing/2014/main" id="{8320146C-1FD4-A4B5-F3C7-40925324332D}"/>
+              </a:ext>
+            </a:extLst>
+          </p:cNvPr>
+          <p:cNvSpPr>
+            <a:spLocks noGrp="1"/>
+          </p:cNvSpPr>
+          <p:nvPr>
+            <p:ph type="sldNum" sz="quarter" idx="10"/>
+          </p:nvPr>
+        </p:nvSpPr>
+        <p:spPr/>
+        <p:txBody>
+          <a:bodyPr/>
+          <a:lstStyle/>
+          <a:p>
+            <a:pPr marL="0" marR="0" lvl="0" indent="0" algn="r" defTabSz="914400" rtl="0" eaLnBrk="1" fontAlgn="auto" latinLnBrk="0" hangingPunct="1">
+              <a:lnSpc>
+                <a:spcPct val="100000"/>
+              </a:lnSpc>
+              <a:spcBef>
+                <a:spcPts val="0"/>
+              </a:spcBef>
+              <a:spcAft>
+                <a:spcPts val="0"/>
+              </a:spcAft>
+              <a:buClrTx/>
+              <a:buSzTx/>
+              <a:buFontTx/>
+              <a:buNone/>
+              <a:tabLst/>
+              <a:defRPr/>
+            </a:pPr>
+            <a:fld id="{9B26CD33-4337-4529-948A-94F6960B2374}" type="slidenum">
+              <a:rPr kumimoji="0" lang="en-US" sz="1200" b="0" i="0" u="none" strike="noStrike" kern="1200" cap="none" spc="0" normalizeH="0" baseline="0" noProof="0" smtClean="0">
+                <a:ln>
+                  <a:noFill/>
+                </a:ln>
+                <a:solidFill>
+                  <a:prstClr val="black"/>
+                </a:solidFill>
+                <a:effectLst/>
+                <a:uLnTx/>
+                <a:uFillTx/>
+                <a:latin typeface="Calibri"/>
+                <a:ea typeface="+mn-ea"/>
+                <a:cs typeface="+mn-cs"/>
+              </a:rPr>
+              <a:pPr marL="0" marR="0" lvl="0" indent="0" algn="r" defTabSz="914400" rtl="0" eaLnBrk="1" fontAlgn="auto" latinLnBrk="0" hangingPunct="1">
+                <a:lnSpc>
+                  <a:spcPct val="100000"/>
+                </a:lnSpc>
+                <a:spcBef>
+                  <a:spcPts val="0"/>
+                </a:spcBef>
+                <a:spcAft>
+                  <a:spcPts val="0"/>
+                </a:spcAft>
+                <a:buClrTx/>
+                <a:buSzTx/>
+                <a:buFontTx/>
+                <a:buNone/>
+                <a:tabLst/>
+                <a:defRPr/>
+              </a:pPr>
+              <a:t>41</a:t>
+            </a:fld>
+            <a:endParaRPr kumimoji="0" lang="en-US" sz="1200" b="0" i="0" u="none" strike="noStrike" kern="1200" cap="none" spc="0" normalizeH="0" baseline="0" noProof="0" dirty="0">
+              <a:ln>
+                <a:noFill/>
+              </a:ln>
+              <a:solidFill>
+                <a:prstClr val="black"/>
+              </a:solidFill>
+              <a:effectLst/>
+              <a:uLnTx/>
+              <a:uFillTx/>
+              <a:latin typeface="Calibri"/>
+              <a:ea typeface="+mn-ea"/>
+              <a:cs typeface="+mn-cs"/>
+            </a:endParaRPr>
+          </a:p>
+        </p:txBody>
+      </p:sp>
+    </p:spTree>
+    <p:extLst>
+      <p:ext uri="{BB962C8B-B14F-4D97-AF65-F5344CB8AC3E}">
+        <p14:creationId xmlns:p14="http://schemas.microsoft.com/office/powerpoint/2010/main" val="262351519"/>
+      </p:ext>
+    </p:extLst>
+  </p:cSld>
+  <p:clrMapOvr>
+    <a:masterClrMapping/>
+  </p:clrMapOvr>
+</p:notes>
+</file>
+
+<file path=ppt/notesSlides/notesSlide34.xml><?xml version="1.0" encoding="utf-8"?>
+<p:notes xmlns:a="http://schemas.openxmlformats.org/drawingml/2006/main" xmlns:r="http://schemas.openxmlformats.org/officeDocument/2006/relationships" xmlns:p="http://schemas.openxmlformats.org/presentationml/2006/main">
+  <p:cSld>
+    <p:spTree>
+      <p:nvGrpSpPr>
+        <p:cNvPr id="1" name="">
+          <a:extLst>
+            <a:ext uri="{FF2B5EF4-FFF2-40B4-BE49-F238E27FC236}">
+              <a16:creationId xmlns:a16="http://schemas.microsoft.com/office/drawing/2014/main" id="{48F34E19-1AA8-EF1A-8C10-032799BB5BB6}"/>
+            </a:ext>
+          </a:extLst>
+        </p:cNvPr>
+        <p:cNvGrpSpPr/>
+        <p:nvPr/>
+      </p:nvGrpSpPr>
+      <p:grpSpPr>
+        <a:xfrm>
+          <a:off x="0" y="0"/>
+          <a:ext cx="0" cy="0"/>
+          <a:chOff x="0" y="0"/>
+          <a:chExt cx="0" cy="0"/>
+        </a:xfrm>
+      </p:grpSpPr>
+      <p:sp>
+        <p:nvSpPr>
+          <p:cNvPr id="2" name="投影片圖像版面配置區 1">
+            <a:extLst>
+              <a:ext uri="{FF2B5EF4-FFF2-40B4-BE49-F238E27FC236}">
+                <a16:creationId xmlns:a16="http://schemas.microsoft.com/office/drawing/2014/main" id="{C2A4AF50-C702-476B-427C-EBAC67D3C649}"/>
+              </a:ext>
+            </a:extLst>
+          </p:cNvPr>
+          <p:cNvSpPr>
+            <a:spLocks noGrp="1" noRot="1" noChangeAspect="1"/>
+          </p:cNvSpPr>
+          <p:nvPr>
+            <p:ph type="sldImg"/>
+          </p:nvPr>
+        </p:nvSpPr>
+        <p:spPr>
+          <a:xfrm>
+            <a:off x="1371600" y="1143000"/>
+            <a:ext cx="4114800" cy="3086100"/>
+          </a:xfrm>
+        </p:spPr>
+      </p:sp>
+      <p:sp>
+        <p:nvSpPr>
+          <p:cNvPr id="3" name="備忘稿版面配置區 2">
+            <a:extLst>
+              <a:ext uri="{FF2B5EF4-FFF2-40B4-BE49-F238E27FC236}">
+                <a16:creationId xmlns:a16="http://schemas.microsoft.com/office/drawing/2014/main" id="{A01E0393-170F-8C5C-9C03-FF0CD14406B9}"/>
+              </a:ext>
+            </a:extLst>
+          </p:cNvPr>
+          <p:cNvSpPr>
+            <a:spLocks noGrp="1"/>
+          </p:cNvSpPr>
+          <p:nvPr>
+            <p:ph type="body" idx="1"/>
+          </p:nvPr>
+        </p:nvSpPr>
+        <p:spPr/>
+        <p:txBody>
+          <a:bodyPr/>
+          <a:lstStyle/>
+          <a:p>
+            <a:endParaRPr lang="zh-TW" altLang="en-US" dirty="0"/>
+          </a:p>
+        </p:txBody>
+      </p:sp>
+      <p:sp>
+        <p:nvSpPr>
+          <p:cNvPr id="4" name="投影片編號版面配置區 3">
+            <a:extLst>
+              <a:ext uri="{FF2B5EF4-FFF2-40B4-BE49-F238E27FC236}">
+                <a16:creationId xmlns:a16="http://schemas.microsoft.com/office/drawing/2014/main" id="{CD4B1D84-1F89-7C40-E6AC-29AF29B6BB57}"/>
+              </a:ext>
+            </a:extLst>
+          </p:cNvPr>
+          <p:cNvSpPr>
+            <a:spLocks noGrp="1"/>
+          </p:cNvSpPr>
+          <p:nvPr>
+            <p:ph type="sldNum" sz="quarter" idx="10"/>
+          </p:nvPr>
+        </p:nvSpPr>
+        <p:spPr/>
+        <p:txBody>
+          <a:bodyPr/>
+          <a:lstStyle/>
+          <a:p>
+            <a:pPr marL="0" marR="0" lvl="0" indent="0" algn="r" defTabSz="914400" rtl="0" eaLnBrk="1" fontAlgn="auto" latinLnBrk="0" hangingPunct="1">
+              <a:lnSpc>
+                <a:spcPct val="100000"/>
+              </a:lnSpc>
+              <a:spcBef>
+                <a:spcPts val="0"/>
+              </a:spcBef>
+              <a:spcAft>
+                <a:spcPts val="0"/>
+              </a:spcAft>
+              <a:buClrTx/>
+              <a:buSzTx/>
+              <a:buFontTx/>
+              <a:buNone/>
+              <a:tabLst/>
+              <a:defRPr/>
+            </a:pPr>
+            <a:fld id="{9B26CD33-4337-4529-948A-94F6960B2374}" type="slidenum">
+              <a:rPr kumimoji="0" lang="en-US" sz="1200" b="0" i="0" u="none" strike="noStrike" kern="1200" cap="none" spc="0" normalizeH="0" baseline="0" noProof="0" smtClean="0">
+                <a:ln>
+                  <a:noFill/>
+                </a:ln>
+                <a:solidFill>
+                  <a:prstClr val="black"/>
+                </a:solidFill>
+                <a:effectLst/>
+                <a:uLnTx/>
+                <a:uFillTx/>
+                <a:latin typeface="Calibri"/>
+                <a:ea typeface="+mn-ea"/>
+                <a:cs typeface="+mn-cs"/>
+              </a:rPr>
+              <a:pPr marL="0" marR="0" lvl="0" indent="0" algn="r" defTabSz="914400" rtl="0" eaLnBrk="1" fontAlgn="auto" latinLnBrk="0" hangingPunct="1">
+                <a:lnSpc>
+                  <a:spcPct val="100000"/>
+                </a:lnSpc>
+                <a:spcBef>
+                  <a:spcPts val="0"/>
+                </a:spcBef>
+                <a:spcAft>
+                  <a:spcPts val="0"/>
+                </a:spcAft>
+                <a:buClrTx/>
+                <a:buSzTx/>
+                <a:buFontTx/>
+                <a:buNone/>
+                <a:tabLst/>
+                <a:defRPr/>
+              </a:pPr>
+              <a:t>44</a:t>
+            </a:fld>
+            <a:endParaRPr kumimoji="0" lang="en-US" sz="1200" b="0" i="0" u="none" strike="noStrike" kern="1200" cap="none" spc="0" normalizeH="0" baseline="0" noProof="0" dirty="0">
+              <a:ln>
+                <a:noFill/>
+              </a:ln>
+              <a:solidFill>
+                <a:prstClr val="black"/>
+              </a:solidFill>
+              <a:effectLst/>
+              <a:uLnTx/>
+              <a:uFillTx/>
+              <a:latin typeface="Calibri"/>
+              <a:ea typeface="+mn-ea"/>
+              <a:cs typeface="+mn-cs"/>
+            </a:endParaRPr>
+          </a:p>
+        </p:txBody>
+      </p:sp>
+    </p:spTree>
+    <p:extLst>
+      <p:ext uri="{BB962C8B-B14F-4D97-AF65-F5344CB8AC3E}">
+        <p14:creationId xmlns:p14="http://schemas.microsoft.com/office/powerpoint/2010/main" val="965686313"/>
+      </p:ext>
+    </p:extLst>
+  </p:cSld>
+  <p:clrMapOvr>
+    <a:masterClrMapping/>
+  </p:clrMapOvr>
+</p:notes>
+</file>
+
+<file path=ppt/notesSlides/notesSlide35.xml><?xml version="1.0" encoding="utf-8"?>
+<p:notes xmlns:a="http://schemas.openxmlformats.org/drawingml/2006/main" xmlns:r="http://schemas.openxmlformats.org/officeDocument/2006/relationships" xmlns:p="http://schemas.openxmlformats.org/presentationml/2006/main">
+  <p:cSld>
+    <p:spTree>
+      <p:nvGrpSpPr>
+        <p:cNvPr id="1" name="">
+          <a:extLst>
+            <a:ext uri="{FF2B5EF4-FFF2-40B4-BE49-F238E27FC236}">
+              <a16:creationId xmlns:a16="http://schemas.microsoft.com/office/drawing/2014/main" id="{6B0C59BB-3BAD-34F7-E305-F335774072D9}"/>
+            </a:ext>
+          </a:extLst>
+        </p:cNvPr>
+        <p:cNvGrpSpPr/>
+        <p:nvPr/>
+      </p:nvGrpSpPr>
+      <p:grpSpPr>
+        <a:xfrm>
+          <a:off x="0" y="0"/>
+          <a:ext cx="0" cy="0"/>
+          <a:chOff x="0" y="0"/>
+          <a:chExt cx="0" cy="0"/>
+        </a:xfrm>
+      </p:grpSpPr>
+      <p:sp>
+        <p:nvSpPr>
+          <p:cNvPr id="2" name="投影片圖像版面配置區 1">
+            <a:extLst>
+              <a:ext uri="{FF2B5EF4-FFF2-40B4-BE49-F238E27FC236}">
+                <a16:creationId xmlns:a16="http://schemas.microsoft.com/office/drawing/2014/main" id="{5C87CE48-B6A7-8653-C28B-C5BF15A0F300}"/>
+              </a:ext>
+            </a:extLst>
+          </p:cNvPr>
+          <p:cNvSpPr>
+            <a:spLocks noGrp="1" noRot="1" noChangeAspect="1"/>
+          </p:cNvSpPr>
+          <p:nvPr>
+            <p:ph type="sldImg"/>
+          </p:nvPr>
+        </p:nvSpPr>
+        <p:spPr>
+          <a:xfrm>
+            <a:off x="1371600" y="1143000"/>
+            <a:ext cx="4114800" cy="3086100"/>
+          </a:xfrm>
+        </p:spPr>
+      </p:sp>
+      <p:sp>
+        <p:nvSpPr>
+          <p:cNvPr id="3" name="備忘稿版面配置區 2">
+            <a:extLst>
+              <a:ext uri="{FF2B5EF4-FFF2-40B4-BE49-F238E27FC236}">
+                <a16:creationId xmlns:a16="http://schemas.microsoft.com/office/drawing/2014/main" id="{DBC56220-38EA-B4E3-8697-1FEDBA2E8B79}"/>
+              </a:ext>
+            </a:extLst>
+          </p:cNvPr>
+          <p:cNvSpPr>
+            <a:spLocks noGrp="1"/>
+          </p:cNvSpPr>
+          <p:nvPr>
+            <p:ph type="body" idx="1"/>
+          </p:nvPr>
+        </p:nvSpPr>
+        <p:spPr/>
+        <p:txBody>
+          <a:bodyPr>
+            <a:normAutofit/>
+          </a:bodyPr>
+          <a:lstStyle/>
+          <a:p>
+            <a:endParaRPr lang="zh-TW" altLang="en-US" dirty="0"/>
+          </a:p>
+        </p:txBody>
+      </p:sp>
+      <p:sp>
+        <p:nvSpPr>
+          <p:cNvPr id="4" name="投影片編號版面配置區 3">
+            <a:extLst>
+              <a:ext uri="{FF2B5EF4-FFF2-40B4-BE49-F238E27FC236}">
+                <a16:creationId xmlns:a16="http://schemas.microsoft.com/office/drawing/2014/main" id="{1B499710-A604-C9D8-B42F-515EBD1D4BEE}"/>
+              </a:ext>
+            </a:extLst>
+          </p:cNvPr>
+          <p:cNvSpPr>
+            <a:spLocks noGrp="1"/>
+          </p:cNvSpPr>
+          <p:nvPr>
+            <p:ph type="sldNum" sz="quarter" idx="10"/>
+          </p:nvPr>
+        </p:nvSpPr>
+        <p:spPr/>
+        <p:txBody>
+          <a:bodyPr/>
+          <a:lstStyle/>
+          <a:p>
+            <a:pPr marL="0" marR="0" lvl="0" indent="0" algn="r" defTabSz="914400" rtl="0" eaLnBrk="1" fontAlgn="auto" latinLnBrk="0" hangingPunct="1">
+              <a:lnSpc>
+                <a:spcPct val="100000"/>
+              </a:lnSpc>
+              <a:spcBef>
+                <a:spcPts val="0"/>
+              </a:spcBef>
+              <a:spcAft>
+                <a:spcPts val="0"/>
+              </a:spcAft>
+              <a:buClrTx/>
+              <a:buSzTx/>
+              <a:buFontTx/>
+              <a:buNone/>
+              <a:tabLst/>
+              <a:defRPr/>
+            </a:pPr>
+            <a:fld id="{9B26CD33-4337-4529-948A-94F6960B2374}" type="slidenum">
+              <a:rPr kumimoji="0" lang="en-US" sz="1200" b="0" i="0" u="none" strike="noStrike" kern="1200" cap="none" spc="0" normalizeH="0" baseline="0" noProof="0" smtClean="0">
+                <a:ln>
+                  <a:noFill/>
+                </a:ln>
+                <a:solidFill>
+                  <a:prstClr val="black"/>
+                </a:solidFill>
+                <a:effectLst/>
+                <a:uLnTx/>
+                <a:uFillTx/>
+                <a:latin typeface="Calibri"/>
+                <a:ea typeface="+mn-ea"/>
+                <a:cs typeface="+mn-cs"/>
+              </a:rPr>
+              <a:pPr marL="0" marR="0" lvl="0" indent="0" algn="r" defTabSz="914400" rtl="0" eaLnBrk="1" fontAlgn="auto" latinLnBrk="0" hangingPunct="1">
+                <a:lnSpc>
+                  <a:spcPct val="100000"/>
+                </a:lnSpc>
+                <a:spcBef>
+                  <a:spcPts val="0"/>
+                </a:spcBef>
+                <a:spcAft>
+                  <a:spcPts val="0"/>
+                </a:spcAft>
+                <a:buClrTx/>
+                <a:buSzTx/>
+                <a:buFontTx/>
+                <a:buNone/>
+                <a:tabLst/>
+                <a:defRPr/>
+              </a:pPr>
+              <a:t>46</a:t>
+            </a:fld>
+            <a:endParaRPr kumimoji="0" lang="en-US" sz="1200" b="0" i="0" u="none" strike="noStrike" kern="1200" cap="none" spc="0" normalizeH="0" baseline="0" noProof="0" dirty="0">
+              <a:ln>
+                <a:noFill/>
+              </a:ln>
+              <a:solidFill>
+                <a:prstClr val="black"/>
+              </a:solidFill>
+              <a:effectLst/>
+              <a:uLnTx/>
+              <a:uFillTx/>
+              <a:latin typeface="Calibri"/>
+              <a:ea typeface="+mn-ea"/>
+              <a:cs typeface="+mn-cs"/>
+            </a:endParaRPr>
+          </a:p>
+        </p:txBody>
+      </p:sp>
+    </p:spTree>
+    <p:extLst>
+      <p:ext uri="{BB962C8B-B14F-4D97-AF65-F5344CB8AC3E}">
+        <p14:creationId xmlns:p14="http://schemas.microsoft.com/office/powerpoint/2010/main" val="2628824975"/>
+      </p:ext>
+    </p:extLst>
+  </p:cSld>
+  <p:clrMapOvr>
+    <a:masterClrMapping/>
+  </p:clrMapOvr>
+</p:notes>
+</file>
+
 <file path=ppt/notesSlides/notesSlide4.xml><?xml version="1.0" encoding="utf-8"?>
 <p:notes xmlns:a="http://schemas.openxmlformats.org/drawingml/2006/main" xmlns:r="http://schemas.openxmlformats.org/officeDocument/2006/relationships" xmlns:p="http://schemas.openxmlformats.org/presentationml/2006/main">
   <p:cSld>
@@ -5953,7 +6659,7 @@
           <a:p>
             <a:fld id="{2E29796B-F55F-40BA-947E-19D03180300F}" type="datetimeFigureOut">
               <a:rPr lang="zh-TW" altLang="en-US" smtClean="0"/>
-              <a:t>2025/5/18</a:t>
+              <a:t>2025/5/25</a:t>
             </a:fld>
             <a:endParaRPr lang="zh-TW" altLang="en-US"/>
           </a:p>
@@ -6151,7 +6857,7 @@
           <a:p>
             <a:fld id="{2E29796B-F55F-40BA-947E-19D03180300F}" type="datetimeFigureOut">
               <a:rPr lang="zh-TW" altLang="en-US" smtClean="0"/>
-              <a:t>2025/5/18</a:t>
+              <a:t>2025/5/25</a:t>
             </a:fld>
             <a:endParaRPr lang="zh-TW" altLang="en-US"/>
           </a:p>
@@ -6359,7 +7065,7 @@
           <a:p>
             <a:fld id="{2E29796B-F55F-40BA-947E-19D03180300F}" type="datetimeFigureOut">
               <a:rPr lang="zh-TW" altLang="en-US" smtClean="0"/>
-              <a:t>2025/5/18</a:t>
+              <a:t>2025/5/25</a:t>
             </a:fld>
             <a:endParaRPr lang="zh-TW" altLang="en-US"/>
           </a:p>
@@ -6740,7 +7446,7 @@
                 </a:solidFill>
               </a:rPr>
               <a:pPr/>
-              <a:t>5/18/2025</a:t>
+              <a:t>5/25/2025</a:t>
             </a:fld>
             <a:endParaRPr kumimoji="0" lang="en-US" dirty="0"/>
           </a:p>
@@ -6971,7 +7677,7 @@
                 </a:solidFill>
               </a:rPr>
               <a:pPr/>
-              <a:t>5/18/2025</a:t>
+              <a:t>5/25/2025</a:t>
             </a:fld>
             <a:endParaRPr kumimoji="0" lang="en-US" dirty="0"/>
           </a:p>
@@ -7204,7 +7910,7 @@
                 </a:solidFill>
               </a:rPr>
               <a:pPr/>
-              <a:t>5/18/2025</a:t>
+              <a:t>5/25/2025</a:t>
             </a:fld>
             <a:endParaRPr kumimoji="0" lang="en-US" dirty="0"/>
           </a:p>
@@ -7686,7 +8392,7 @@
                 </a:solidFill>
               </a:rPr>
               <a:pPr/>
-              <a:t>5/18/2025</a:t>
+              <a:t>5/25/2025</a:t>
             </a:fld>
             <a:endParaRPr kumimoji="0" lang="en-US" dirty="0"/>
           </a:p>
@@ -8043,7 +8749,7 @@
                 </a:solidFill>
               </a:rPr>
               <a:pPr/>
-              <a:t>5/18/2025</a:t>
+              <a:t>5/25/2025</a:t>
             </a:fld>
             <a:endParaRPr kumimoji="0" lang="en-US" dirty="0"/>
           </a:p>
@@ -8406,7 +9112,7 @@
                 </a:solidFill>
               </a:rPr>
               <a:pPr/>
-              <a:t>5/18/2025</a:t>
+              <a:t>5/25/2025</a:t>
             </a:fld>
             <a:endParaRPr kumimoji="0" lang="en-US" dirty="0"/>
           </a:p>
@@ -8716,7 +9422,7 @@
                 </a:solidFill>
               </a:rPr>
               <a:pPr/>
-              <a:t>5/18/2025</a:t>
+              <a:t>5/25/2025</a:t>
             </a:fld>
             <a:endParaRPr kumimoji="0" lang="en-US" dirty="0"/>
           </a:p>
@@ -8911,7 +9617,7 @@
           <a:p>
             <a:fld id="{2E29796B-F55F-40BA-947E-19D03180300F}" type="datetimeFigureOut">
               <a:rPr lang="zh-TW" altLang="en-US" smtClean="0"/>
-              <a:t>2025/5/18</a:t>
+              <a:t>2025/5/25</a:t>
             </a:fld>
             <a:endParaRPr lang="zh-TW" altLang="en-US"/>
           </a:p>
@@ -9395,7 +10101,7 @@
                 </a:solidFill>
               </a:rPr>
               <a:pPr/>
-              <a:t>5/18/2025</a:t>
+              <a:t>5/25/2025</a:t>
             </a:fld>
             <a:endParaRPr kumimoji="0" lang="en-US" dirty="0"/>
           </a:p>
@@ -9791,7 +10497,7 @@
                 </a:solidFill>
               </a:rPr>
               <a:pPr/>
-              <a:t>5/18/2025</a:t>
+              <a:t>5/25/2025</a:t>
             </a:fld>
             <a:endParaRPr kumimoji="0" lang="en-US" dirty="0"/>
           </a:p>
@@ -10131,7 +10837,7 @@
                 </a:solidFill>
               </a:rPr>
               <a:pPr/>
-              <a:t>5/18/2025</a:t>
+              <a:t>5/25/2025</a:t>
             </a:fld>
             <a:endParaRPr kumimoji="0" lang="en-US" dirty="0"/>
           </a:p>
@@ -10712,7 +11418,7 @@
                 </a:solidFill>
               </a:rPr>
               <a:pPr/>
-              <a:t>5/18/2025</a:t>
+              <a:t>5/25/2025</a:t>
             </a:fld>
             <a:endParaRPr kumimoji="0" lang="en-US" dirty="0"/>
           </a:p>
@@ -11281,7 +11987,7 @@
                 </a:solidFill>
               </a:rPr>
               <a:pPr/>
-              <a:t>5/18/2025</a:t>
+              <a:t>5/25/2025</a:t>
             </a:fld>
             <a:endParaRPr kumimoji="0" lang="en-US" dirty="0"/>
           </a:p>
@@ -11745,7 +12451,7 @@
                 </a:solidFill>
               </a:rPr>
               <a:pPr/>
-              <a:t>5/18/2025</a:t>
+              <a:t>5/25/2025</a:t>
             </a:fld>
             <a:endParaRPr kumimoji="0" lang="en-US" dirty="0"/>
           </a:p>
@@ -12174,7 +12880,7 @@
                 </a:solidFill>
               </a:rPr>
               <a:pPr/>
-              <a:t>5/18/2025</a:t>
+              <a:t>5/25/2025</a:t>
             </a:fld>
             <a:endParaRPr kumimoji="0" lang="en-US" dirty="0"/>
           </a:p>
@@ -12683,7 +13389,7 @@
                 </a:solidFill>
               </a:rPr>
               <a:pPr/>
-              <a:t>5/18/2025</a:t>
+              <a:t>5/25/2025</a:t>
             </a:fld>
             <a:endParaRPr kumimoji="0" lang="en-US" dirty="0"/>
           </a:p>
@@ -13192,7 +13898,7 @@
                 </a:solidFill>
               </a:rPr>
               <a:pPr/>
-              <a:t>5/18/2025</a:t>
+              <a:t>5/25/2025</a:t>
             </a:fld>
             <a:endParaRPr kumimoji="0" lang="en-US" dirty="0"/>
           </a:p>
@@ -13413,7 +14119,7 @@
                 </a:solidFill>
               </a:rPr>
               <a:pPr/>
-              <a:t>5/18/2025</a:t>
+              <a:t>5/25/2025</a:t>
             </a:fld>
             <a:endParaRPr kumimoji="0" lang="en-US" dirty="0"/>
           </a:p>
@@ -13685,7 +14391,7 @@
           <a:p>
             <a:fld id="{2E29796B-F55F-40BA-947E-19D03180300F}" type="datetimeFigureOut">
               <a:rPr lang="zh-TW" altLang="en-US" smtClean="0"/>
-              <a:t>2025/5/18</a:t>
+              <a:t>2025/5/25</a:t>
             </a:fld>
             <a:endParaRPr lang="zh-TW" altLang="en-US"/>
           </a:p>
@@ -14021,7 +14727,7 @@
                 </a:solidFill>
               </a:rPr>
               <a:pPr/>
-              <a:t>5/18/2025</a:t>
+              <a:t>5/25/2025</a:t>
             </a:fld>
             <a:endParaRPr kumimoji="0" lang="en-US" dirty="0"/>
           </a:p>
@@ -14245,7 +14951,7 @@
                 </a:solidFill>
               </a:rPr>
               <a:pPr/>
-              <a:t>5/18/2025</a:t>
+              <a:t>5/25/2025</a:t>
             </a:fld>
             <a:endParaRPr kumimoji="0" lang="en-US" dirty="0"/>
           </a:p>
@@ -14426,7 +15132,7 @@
             <a:fld id="{ACB2EC6F-6501-4E04-BD6C-A8A6CABB2C5B}" type="datetimeFigureOut">
               <a:rPr kumimoji="0" lang="en-US" smtClean="0"/>
               <a:pPr/>
-              <a:t>5/18/2025</a:t>
+              <a:t>5/25/2025</a:t>
             </a:fld>
             <a:endParaRPr kumimoji="0" lang="en-US" dirty="0"/>
           </a:p>
@@ -14710,7 +15416,7 @@
           <a:p>
             <a:fld id="{2E29796B-F55F-40BA-947E-19D03180300F}" type="datetimeFigureOut">
               <a:rPr lang="zh-TW" altLang="en-US" smtClean="0"/>
-              <a:t>2025/5/18</a:t>
+              <a:t>2025/5/25</a:t>
             </a:fld>
             <a:endParaRPr lang="zh-TW" altLang="en-US"/>
           </a:p>
@@ -15122,7 +15828,7 @@
           <a:p>
             <a:fld id="{2E29796B-F55F-40BA-947E-19D03180300F}" type="datetimeFigureOut">
               <a:rPr lang="zh-TW" altLang="en-US" smtClean="0"/>
-              <a:t>2025/5/18</a:t>
+              <a:t>2025/5/25</a:t>
             </a:fld>
             <a:endParaRPr lang="zh-TW" altLang="en-US"/>
           </a:p>
@@ -15263,7 +15969,7 @@
           <a:p>
             <a:fld id="{2E29796B-F55F-40BA-947E-19D03180300F}" type="datetimeFigureOut">
               <a:rPr lang="zh-TW" altLang="en-US" smtClean="0"/>
-              <a:t>2025/5/18</a:t>
+              <a:t>2025/5/25</a:t>
             </a:fld>
             <a:endParaRPr lang="zh-TW" altLang="en-US"/>
           </a:p>
@@ -15376,7 +16082,7 @@
           <a:p>
             <a:fld id="{2E29796B-F55F-40BA-947E-19D03180300F}" type="datetimeFigureOut">
               <a:rPr lang="zh-TW" altLang="en-US" smtClean="0"/>
-              <a:t>2025/5/18</a:t>
+              <a:t>2025/5/25</a:t>
             </a:fld>
             <a:endParaRPr lang="zh-TW" altLang="en-US"/>
           </a:p>
@@ -15687,7 +16393,7 @@
           <a:p>
             <a:fld id="{2E29796B-F55F-40BA-947E-19D03180300F}" type="datetimeFigureOut">
               <a:rPr lang="zh-TW" altLang="en-US" smtClean="0"/>
-              <a:t>2025/5/18</a:t>
+              <a:t>2025/5/25</a:t>
             </a:fld>
             <a:endParaRPr lang="zh-TW" altLang="en-US"/>
           </a:p>
@@ -15975,7 +16681,7 @@
           <a:p>
             <a:fld id="{2E29796B-F55F-40BA-947E-19D03180300F}" type="datetimeFigureOut">
               <a:rPr lang="zh-TW" altLang="en-US" smtClean="0"/>
-              <a:t>2025/5/18</a:t>
+              <a:t>2025/5/25</a:t>
             </a:fld>
             <a:endParaRPr lang="zh-TW" altLang="en-US"/>
           </a:p>
@@ -16216,7 +16922,7 @@
           <a:p>
             <a:fld id="{2E29796B-F55F-40BA-947E-19D03180300F}" type="datetimeFigureOut">
               <a:rPr lang="zh-TW" altLang="en-US" smtClean="0"/>
-              <a:t>2025/5/18</a:t>
+              <a:t>2025/5/25</a:t>
             </a:fld>
             <a:endParaRPr lang="zh-TW" altLang="en-US"/>
           </a:p>
@@ -16788,7 +17494,7 @@
                 </a:solidFill>
               </a:rPr>
               <a:pPr/>
-              <a:t>5/18/2025</a:t>
+              <a:t>5/25/2025</a:t>
             </a:fld>
             <a:endParaRPr kumimoji="0" lang="en-US" sz="1200" dirty="0">
               <a:solidFill>
@@ -23493,6 +24199,1239 @@
     <p:extLst>
       <p:ext uri="{BB962C8B-B14F-4D97-AF65-F5344CB8AC3E}">
         <p14:creationId xmlns:p14="http://schemas.microsoft.com/office/powerpoint/2010/main" val="2646507327"/>
+      </p:ext>
+    </p:extLst>
+  </p:cSld>
+  <p:clrMapOvr>
+    <a:masterClrMapping/>
+  </p:clrMapOvr>
+  <p:transition>
+    <p:fade/>
+  </p:transition>
+</p:sld>
+</file>
+
+<file path=ppt/slides/slide40.xml><?xml version="1.0" encoding="utf-8"?>
+<p:sld xmlns:a="http://schemas.openxmlformats.org/drawingml/2006/main" xmlns:r="http://schemas.openxmlformats.org/officeDocument/2006/relationships" xmlns:p="http://schemas.openxmlformats.org/presentationml/2006/main">
+  <p:cSld>
+    <p:spTree>
+      <p:nvGrpSpPr>
+        <p:cNvPr id="1" name="">
+          <a:extLst>
+            <a:ext uri="{FF2B5EF4-FFF2-40B4-BE49-F238E27FC236}">
+              <a16:creationId xmlns:a16="http://schemas.microsoft.com/office/drawing/2014/main" id="{7479FF81-D44A-9D8B-589E-93AF3EE97A05}"/>
+            </a:ext>
+          </a:extLst>
+        </p:cNvPr>
+        <p:cNvGrpSpPr/>
+        <p:nvPr/>
+      </p:nvGrpSpPr>
+      <p:grpSpPr>
+        <a:xfrm>
+          <a:off x="0" y="0"/>
+          <a:ext cx="0" cy="0"/>
+          <a:chOff x="0" y="0"/>
+          <a:chExt cx="0" cy="0"/>
+        </a:xfrm>
+      </p:grpSpPr>
+      <p:sp>
+        <p:nvSpPr>
+          <p:cNvPr id="4" name="文字方塊 3">
+            <a:extLst>
+              <a:ext uri="{FF2B5EF4-FFF2-40B4-BE49-F238E27FC236}">
+                <a16:creationId xmlns:a16="http://schemas.microsoft.com/office/drawing/2014/main" id="{D75A9896-A70D-A2D8-8721-EA9ABB188C02}"/>
+              </a:ext>
+            </a:extLst>
+          </p:cNvPr>
+          <p:cNvSpPr txBox="1"/>
+          <p:nvPr/>
+        </p:nvSpPr>
+        <p:spPr>
+          <a:xfrm>
+            <a:off x="783076" y="3013501"/>
+            <a:ext cx="7772400" cy="830997"/>
+          </a:xfrm>
+          <a:prstGeom prst="rect">
+            <a:avLst/>
+          </a:prstGeom>
+          <a:noFill/>
+        </p:spPr>
+        <p:txBody>
+          <a:bodyPr wrap="square" rtlCol="0">
+            <a:spAutoFit/>
+          </a:bodyPr>
+          <a:lstStyle/>
+          <a:p>
+            <a:pPr algn="ctr"/>
+            <a:r>
+              <a:rPr kumimoji="1" lang="zh-TW" altLang="en-US" sz="4800" b="1" dirty="0">
+                <a:solidFill>
+                  <a:srgbClr val="FFFF00"/>
+                </a:solidFill>
+                <a:effectLst>
+                  <a:outerShdw blurRad="38100" dist="38100" dir="2700000" algn="tl">
+                    <a:srgbClr val="000000">
+                      <a:alpha val="43137"/>
+                    </a:srgbClr>
+                  </a:outerShdw>
+                </a:effectLst>
+                <a:latin typeface="微軟正黑體" panose="020B0604030504040204" pitchFamily="34" charset="-120"/>
+                <a:ea typeface="微軟正黑體" panose="020B0604030504040204" pitchFamily="34" charset="-120"/>
+                <a:cs typeface="Arial"/>
+              </a:rPr>
+              <a:t>檔案說明</a:t>
+            </a:r>
+          </a:p>
+        </p:txBody>
+      </p:sp>
+    </p:spTree>
+    <p:extLst>
+      <p:ext uri="{BB962C8B-B14F-4D97-AF65-F5344CB8AC3E}">
+        <p14:creationId xmlns:p14="http://schemas.microsoft.com/office/powerpoint/2010/main" val="1866850624"/>
+      </p:ext>
+    </p:extLst>
+  </p:cSld>
+  <p:clrMapOvr>
+    <a:masterClrMapping/>
+  </p:clrMapOvr>
+  <p:transition>
+    <p:fade/>
+  </p:transition>
+</p:sld>
+</file>
+
+<file path=ppt/slides/slide41.xml><?xml version="1.0" encoding="utf-8"?>
+<p:sld xmlns:a="http://schemas.openxmlformats.org/drawingml/2006/main" xmlns:r="http://schemas.openxmlformats.org/officeDocument/2006/relationships" xmlns:p="http://schemas.openxmlformats.org/presentationml/2006/main">
+  <p:cSld>
+    <p:spTree>
+      <p:nvGrpSpPr>
+        <p:cNvPr id="1" name="">
+          <a:extLst>
+            <a:ext uri="{FF2B5EF4-FFF2-40B4-BE49-F238E27FC236}">
+              <a16:creationId xmlns:a16="http://schemas.microsoft.com/office/drawing/2014/main" id="{11A0C1AC-0A34-8FA7-EDFB-51D78A72AFF2}"/>
+            </a:ext>
+          </a:extLst>
+        </p:cNvPr>
+        <p:cNvGrpSpPr/>
+        <p:nvPr/>
+      </p:nvGrpSpPr>
+      <p:grpSpPr>
+        <a:xfrm>
+          <a:off x="0" y="0"/>
+          <a:ext cx="0" cy="0"/>
+          <a:chOff x="0" y="0"/>
+          <a:chExt cx="0" cy="0"/>
+        </a:xfrm>
+      </p:grpSpPr>
+      <p:sp>
+        <p:nvSpPr>
+          <p:cNvPr id="4" name="文字方塊 3">
+            <a:extLst>
+              <a:ext uri="{FF2B5EF4-FFF2-40B4-BE49-F238E27FC236}">
+                <a16:creationId xmlns:a16="http://schemas.microsoft.com/office/drawing/2014/main" id="{E6B849B3-BC43-5AF0-BCD4-654DB4E8ECAA}"/>
+              </a:ext>
+            </a:extLst>
+          </p:cNvPr>
+          <p:cNvSpPr txBox="1"/>
+          <p:nvPr/>
+        </p:nvSpPr>
+        <p:spPr>
+          <a:xfrm>
+            <a:off x="773244" y="2846352"/>
+            <a:ext cx="7772400" cy="830997"/>
+          </a:xfrm>
+          <a:prstGeom prst="rect">
+            <a:avLst/>
+          </a:prstGeom>
+          <a:noFill/>
+        </p:spPr>
+        <p:txBody>
+          <a:bodyPr wrap="square" rtlCol="0">
+            <a:spAutoFit/>
+          </a:bodyPr>
+          <a:lstStyle/>
+          <a:p>
+            <a:pPr algn="ctr"/>
+            <a:r>
+              <a:rPr kumimoji="1" lang="en-US" altLang="zh-TW" sz="4800" b="1" dirty="0" err="1">
+                <a:solidFill>
+                  <a:srgbClr val="00B0F0"/>
+                </a:solidFill>
+                <a:effectLst>
+                  <a:outerShdw blurRad="38100" dist="38100" dir="2700000" algn="tl">
+                    <a:srgbClr val="000000">
+                      <a:alpha val="43137"/>
+                    </a:srgbClr>
+                  </a:outerShdw>
+                </a:effectLst>
+                <a:latin typeface="微軟正黑體" panose="020B0604030504040204" pitchFamily="34" charset="-120"/>
+                <a:ea typeface="微軟正黑體" panose="020B0604030504040204" pitchFamily="34" charset="-120"/>
+                <a:cs typeface="Arial"/>
+              </a:rPr>
+              <a:t>Dockerfile</a:t>
+            </a:r>
+            <a:endParaRPr kumimoji="1" lang="zh-TW" altLang="en-US" sz="4800" b="1" dirty="0">
+              <a:solidFill>
+                <a:srgbClr val="00B0F0"/>
+              </a:solidFill>
+              <a:effectLst>
+                <a:outerShdw blurRad="38100" dist="38100" dir="2700000" algn="tl">
+                  <a:srgbClr val="000000">
+                    <a:alpha val="43137"/>
+                  </a:srgbClr>
+                </a:outerShdw>
+              </a:effectLst>
+              <a:latin typeface="微軟正黑體" panose="020B0604030504040204" pitchFamily="34" charset="-120"/>
+              <a:ea typeface="微軟正黑體" panose="020B0604030504040204" pitchFamily="34" charset="-120"/>
+              <a:cs typeface="Arial"/>
+            </a:endParaRPr>
+          </a:p>
+        </p:txBody>
+      </p:sp>
+    </p:spTree>
+    <p:extLst>
+      <p:ext uri="{BB962C8B-B14F-4D97-AF65-F5344CB8AC3E}">
+        <p14:creationId xmlns:p14="http://schemas.microsoft.com/office/powerpoint/2010/main" val="2788708763"/>
+      </p:ext>
+    </p:extLst>
+  </p:cSld>
+  <p:clrMapOvr>
+    <a:masterClrMapping/>
+  </p:clrMapOvr>
+  <p:transition>
+    <p:fade/>
+  </p:transition>
+</p:sld>
+</file>
+
+<file path=ppt/slides/slide42.xml><?xml version="1.0" encoding="utf-8"?>
+<p:sld xmlns:a="http://schemas.openxmlformats.org/drawingml/2006/main" xmlns:r="http://schemas.openxmlformats.org/officeDocument/2006/relationships" xmlns:p="http://schemas.openxmlformats.org/presentationml/2006/main">
+  <p:cSld>
+    <p:spTree>
+      <p:nvGrpSpPr>
+        <p:cNvPr id="1" name="">
+          <a:extLst>
+            <a:ext uri="{FF2B5EF4-FFF2-40B4-BE49-F238E27FC236}">
+              <a16:creationId xmlns:a16="http://schemas.microsoft.com/office/drawing/2014/main" id="{8E73437B-8DC7-059F-6859-1F73EE3E7022}"/>
+            </a:ext>
+          </a:extLst>
+        </p:cNvPr>
+        <p:cNvGrpSpPr/>
+        <p:nvPr/>
+      </p:nvGrpSpPr>
+      <p:grpSpPr>
+        <a:xfrm>
+          <a:off x="0" y="0"/>
+          <a:ext cx="0" cy="0"/>
+          <a:chOff x="0" y="0"/>
+          <a:chExt cx="0" cy="0"/>
+        </a:xfrm>
+      </p:grpSpPr>
+      <p:pic>
+        <p:nvPicPr>
+          <p:cNvPr id="3" name="圖片 2">
+            <a:extLst>
+              <a:ext uri="{FF2B5EF4-FFF2-40B4-BE49-F238E27FC236}">
+                <a16:creationId xmlns:a16="http://schemas.microsoft.com/office/drawing/2014/main" id="{1689C641-9A5B-6196-1375-370278BDFC9C}"/>
+              </a:ext>
+            </a:extLst>
+          </p:cNvPr>
+          <p:cNvPicPr>
+            <a:picLocks noChangeAspect="1"/>
+          </p:cNvPicPr>
+          <p:nvPr/>
+        </p:nvPicPr>
+        <p:blipFill>
+          <a:blip r:embed="rId2"/>
+          <a:stretch>
+            <a:fillRect/>
+          </a:stretch>
+        </p:blipFill>
+        <p:spPr>
+          <a:xfrm>
+            <a:off x="28314" y="1131381"/>
+            <a:ext cx="9115686" cy="4595237"/>
+          </a:xfrm>
+          <a:prstGeom prst="rect">
+            <a:avLst/>
+          </a:prstGeom>
+        </p:spPr>
+      </p:pic>
+    </p:spTree>
+    <p:extLst>
+      <p:ext uri="{BB962C8B-B14F-4D97-AF65-F5344CB8AC3E}">
+        <p14:creationId xmlns:p14="http://schemas.microsoft.com/office/powerpoint/2010/main" val="1627984896"/>
+      </p:ext>
+    </p:extLst>
+  </p:cSld>
+  <p:clrMapOvr>
+    <a:masterClrMapping/>
+  </p:clrMapOvr>
+  <p:transition>
+    <p:fade/>
+  </p:transition>
+</p:sld>
+</file>
+
+<file path=ppt/slides/slide43.xml><?xml version="1.0" encoding="utf-8"?>
+<p:sld xmlns:a="http://schemas.openxmlformats.org/drawingml/2006/main" xmlns:r="http://schemas.openxmlformats.org/officeDocument/2006/relationships" xmlns:p="http://schemas.openxmlformats.org/presentationml/2006/main">
+  <p:cSld>
+    <p:spTree>
+      <p:nvGrpSpPr>
+        <p:cNvPr id="1" name=""/>
+        <p:cNvGrpSpPr/>
+        <p:nvPr/>
+      </p:nvGrpSpPr>
+      <p:grpSpPr>
+        <a:xfrm>
+          <a:off x="0" y="0"/>
+          <a:ext cx="0" cy="0"/>
+          <a:chOff x="0" y="0"/>
+          <a:chExt cx="0" cy="0"/>
+        </a:xfrm>
+      </p:grpSpPr>
+      <p:pic>
+        <p:nvPicPr>
+          <p:cNvPr id="5" name="圖片 4">
+            <a:extLst>
+              <a:ext uri="{FF2B5EF4-FFF2-40B4-BE49-F238E27FC236}">
+                <a16:creationId xmlns:a16="http://schemas.microsoft.com/office/drawing/2014/main" id="{26B416BC-479A-9ED7-AFCB-0A6252CA2306}"/>
+              </a:ext>
+            </a:extLst>
+          </p:cNvPr>
+          <p:cNvPicPr>
+            <a:picLocks noChangeAspect="1"/>
+          </p:cNvPicPr>
+          <p:nvPr/>
+        </p:nvPicPr>
+        <p:blipFill>
+          <a:blip r:embed="rId2"/>
+          <a:stretch>
+            <a:fillRect/>
+          </a:stretch>
+        </p:blipFill>
+        <p:spPr>
+          <a:xfrm>
+            <a:off x="558799" y="613987"/>
+            <a:ext cx="7810500" cy="1781175"/>
+          </a:xfrm>
+          <a:prstGeom prst="rect">
+            <a:avLst/>
+          </a:prstGeom>
+        </p:spPr>
+      </p:pic>
+      <p:pic>
+        <p:nvPicPr>
+          <p:cNvPr id="7" name="圖片 6">
+            <a:extLst>
+              <a:ext uri="{FF2B5EF4-FFF2-40B4-BE49-F238E27FC236}">
+                <a16:creationId xmlns:a16="http://schemas.microsoft.com/office/drawing/2014/main" id="{4A6ADCD6-38A7-1241-8F62-73E241AD201F}"/>
+              </a:ext>
+            </a:extLst>
+          </p:cNvPr>
+          <p:cNvPicPr>
+            <a:picLocks noChangeAspect="1"/>
+          </p:cNvPicPr>
+          <p:nvPr/>
+        </p:nvPicPr>
+        <p:blipFill>
+          <a:blip r:embed="rId3"/>
+          <a:stretch>
+            <a:fillRect/>
+          </a:stretch>
+        </p:blipFill>
+        <p:spPr>
+          <a:xfrm>
+            <a:off x="386329" y="3249706"/>
+            <a:ext cx="8155441" cy="2276764"/>
+          </a:xfrm>
+          <a:prstGeom prst="rect">
+            <a:avLst/>
+          </a:prstGeom>
+        </p:spPr>
+      </p:pic>
+    </p:spTree>
+    <p:extLst>
+      <p:ext uri="{BB962C8B-B14F-4D97-AF65-F5344CB8AC3E}">
+        <p14:creationId xmlns:p14="http://schemas.microsoft.com/office/powerpoint/2010/main" val="2636284681"/>
+      </p:ext>
+    </p:extLst>
+  </p:cSld>
+  <p:clrMapOvr>
+    <a:masterClrMapping/>
+  </p:clrMapOvr>
+  <p:transition>
+    <p:fade/>
+  </p:transition>
+</p:sld>
+</file>
+
+<file path=ppt/slides/slide44.xml><?xml version="1.0" encoding="utf-8"?>
+<p:sld xmlns:a="http://schemas.openxmlformats.org/drawingml/2006/main" xmlns:r="http://schemas.openxmlformats.org/officeDocument/2006/relationships" xmlns:p="http://schemas.openxmlformats.org/presentationml/2006/main">
+  <p:cSld>
+    <p:spTree>
+      <p:nvGrpSpPr>
+        <p:cNvPr id="1" name="">
+          <a:extLst>
+            <a:ext uri="{FF2B5EF4-FFF2-40B4-BE49-F238E27FC236}">
+              <a16:creationId xmlns:a16="http://schemas.microsoft.com/office/drawing/2014/main" id="{17E59B5C-DAD0-EBC5-3DB7-4A9A722DF253}"/>
+            </a:ext>
+          </a:extLst>
+        </p:cNvPr>
+        <p:cNvGrpSpPr/>
+        <p:nvPr/>
+      </p:nvGrpSpPr>
+      <p:grpSpPr>
+        <a:xfrm>
+          <a:off x="0" y="0"/>
+          <a:ext cx="0" cy="0"/>
+          <a:chOff x="0" y="0"/>
+          <a:chExt cx="0" cy="0"/>
+        </a:xfrm>
+      </p:grpSpPr>
+      <p:sp>
+        <p:nvSpPr>
+          <p:cNvPr id="5" name="文字方塊 4">
+            <a:extLst>
+              <a:ext uri="{FF2B5EF4-FFF2-40B4-BE49-F238E27FC236}">
+                <a16:creationId xmlns:a16="http://schemas.microsoft.com/office/drawing/2014/main" id="{4EE33F9C-1316-C583-1DC8-195CBD90EE1B}"/>
+              </a:ext>
+            </a:extLst>
+          </p:cNvPr>
+          <p:cNvSpPr txBox="1"/>
+          <p:nvPr/>
+        </p:nvSpPr>
+        <p:spPr>
+          <a:xfrm>
+            <a:off x="322062" y="1541706"/>
+            <a:ext cx="8499876" cy="3539430"/>
+          </a:xfrm>
+          <a:prstGeom prst="rect">
+            <a:avLst/>
+          </a:prstGeom>
+          <a:noFill/>
+        </p:spPr>
+        <p:txBody>
+          <a:bodyPr wrap="square" rtlCol="0">
+            <a:spAutoFit/>
+          </a:bodyPr>
+          <a:lstStyle/>
+          <a:p>
+            <a:pPr marL="514338" indent="-514338">
+              <a:buFont typeface="Arial" panose="020B0604020202020204" pitchFamily="34" charset="0"/>
+              <a:buChar char="•"/>
+            </a:pPr>
+            <a:r>
+              <a:rPr kumimoji="1" lang="zh-TW" altLang="en-US" sz="3200" dirty="0">
+                <a:solidFill>
+                  <a:prstClr val="white"/>
+                </a:solidFill>
+                <a:effectLst>
+                  <a:outerShdw blurRad="38100" dist="38100" dir="2700000" algn="tl">
+                    <a:srgbClr val="000000">
+                      <a:alpha val="43137"/>
+                    </a:srgbClr>
+                  </a:outerShdw>
+                </a:effectLst>
+                <a:latin typeface="微軟正黑體" panose="020B0604030504040204" pitchFamily="34" charset="-120"/>
+                <a:ea typeface="微軟正黑體" panose="020B0604030504040204" pitchFamily="34" charset="-120"/>
+                <a:cs typeface="Heiti TC Light"/>
+              </a:rPr>
+              <a:t>從前必須在</a:t>
+            </a:r>
+            <a:r>
+              <a:rPr kumimoji="1" lang="en-US" altLang="zh-TW" sz="3200" dirty="0">
+                <a:solidFill>
+                  <a:prstClr val="white"/>
+                </a:solidFill>
+                <a:effectLst>
+                  <a:outerShdw blurRad="38100" dist="38100" dir="2700000" algn="tl">
+                    <a:srgbClr val="000000">
+                      <a:alpha val="43137"/>
+                    </a:srgbClr>
+                  </a:outerShdw>
+                </a:effectLst>
+                <a:latin typeface="微軟正黑體" panose="020B0604030504040204" pitchFamily="34" charset="-120"/>
+                <a:ea typeface="微軟正黑體" panose="020B0604030504040204" pitchFamily="34" charset="-120"/>
+                <a:cs typeface="Heiti TC Light"/>
+              </a:rPr>
+              <a:t>.</a:t>
+            </a:r>
+            <a:r>
+              <a:rPr kumimoji="1" lang="en-US" altLang="zh-TW" sz="3200" dirty="0" err="1">
+                <a:solidFill>
+                  <a:prstClr val="white"/>
+                </a:solidFill>
+                <a:effectLst>
+                  <a:outerShdw blurRad="38100" dist="38100" dir="2700000" algn="tl">
+                    <a:srgbClr val="000000">
+                      <a:alpha val="43137"/>
+                    </a:srgbClr>
+                  </a:outerShdw>
+                </a:effectLst>
+                <a:latin typeface="微軟正黑體" panose="020B0604030504040204" pitchFamily="34" charset="-120"/>
+                <a:ea typeface="微軟正黑體" panose="020B0604030504040204" pitchFamily="34" charset="-120"/>
+                <a:cs typeface="Heiti TC Light"/>
+              </a:rPr>
+              <a:t>py</a:t>
+            </a:r>
+            <a:r>
+              <a:rPr kumimoji="1" lang="zh-TW" altLang="en-US" sz="3200" dirty="0">
+                <a:solidFill>
+                  <a:prstClr val="white"/>
+                </a:solidFill>
+                <a:effectLst>
+                  <a:outerShdw blurRad="38100" dist="38100" dir="2700000" algn="tl">
+                    <a:srgbClr val="000000">
+                      <a:alpha val="43137"/>
+                    </a:srgbClr>
+                  </a:outerShdw>
+                </a:effectLst>
+                <a:latin typeface="微軟正黑體" panose="020B0604030504040204" pitchFamily="34" charset="-120"/>
+                <a:ea typeface="微軟正黑體" panose="020B0604030504040204" pitchFamily="34" charset="-120"/>
+                <a:cs typeface="Heiti TC Light"/>
+              </a:rPr>
+              <a:t>中定義</a:t>
+            </a:r>
+            <a:r>
+              <a:rPr kumimoji="1" lang="en-US" altLang="zh-TW" sz="3200" dirty="0">
+                <a:solidFill>
+                  <a:prstClr val="white"/>
+                </a:solidFill>
+                <a:effectLst>
+                  <a:outerShdw blurRad="38100" dist="38100" dir="2700000" algn="tl">
+                    <a:srgbClr val="000000">
+                      <a:alpha val="43137"/>
+                    </a:srgbClr>
+                  </a:outerShdw>
+                </a:effectLst>
+                <a:latin typeface="微軟正黑體" panose="020B0604030504040204" pitchFamily="34" charset="-120"/>
+                <a:ea typeface="微軟正黑體" panose="020B0604030504040204" pitchFamily="34" charset="-120"/>
+                <a:cs typeface="Heiti TC Light"/>
+              </a:rPr>
+              <a:t>main()</a:t>
+            </a:r>
+            <a:r>
+              <a:rPr kumimoji="1" lang="zh-TW" altLang="en-US" sz="3200" dirty="0">
+                <a:solidFill>
+                  <a:prstClr val="white"/>
+                </a:solidFill>
+                <a:effectLst>
+                  <a:outerShdw blurRad="38100" dist="38100" dir="2700000" algn="tl">
+                    <a:srgbClr val="000000">
+                      <a:alpha val="43137"/>
+                    </a:srgbClr>
+                  </a:outerShdw>
+                </a:effectLst>
+                <a:latin typeface="微軟正黑體" panose="020B0604030504040204" pitchFamily="34" charset="-120"/>
+                <a:ea typeface="微軟正黑體" panose="020B0604030504040204" pitchFamily="34" charset="-120"/>
+                <a:cs typeface="Heiti TC Light"/>
+              </a:rPr>
+              <a:t>，並且手動將</a:t>
+            </a:r>
+            <a:r>
+              <a:rPr kumimoji="1" lang="en-US" altLang="zh-TW" sz="3200" dirty="0" err="1">
+                <a:solidFill>
+                  <a:prstClr val="white"/>
+                </a:solidFill>
+                <a:effectLst>
+                  <a:outerShdw blurRad="38100" dist="38100" dir="2700000" algn="tl">
+                    <a:srgbClr val="000000">
+                      <a:alpha val="43137"/>
+                    </a:srgbClr>
+                  </a:outerShdw>
+                </a:effectLst>
+                <a:latin typeface="微軟正黑體" panose="020B0604030504040204" pitchFamily="34" charset="-120"/>
+                <a:ea typeface="微軟正黑體" panose="020B0604030504040204" pitchFamily="34" charset="-120"/>
+                <a:cs typeface="Heiti TC Light"/>
+              </a:rPr>
+              <a:t>app.run</a:t>
+            </a:r>
+            <a:r>
+              <a:rPr kumimoji="1" lang="zh-TW" altLang="en-US" sz="3200" dirty="0">
+                <a:solidFill>
+                  <a:prstClr val="white"/>
+                </a:solidFill>
+                <a:effectLst>
+                  <a:outerShdw blurRad="38100" dist="38100" dir="2700000" algn="tl">
+                    <a:srgbClr val="000000">
+                      <a:alpha val="43137"/>
+                    </a:srgbClr>
+                  </a:outerShdw>
+                </a:effectLst>
+                <a:latin typeface="微軟正黑體" panose="020B0604030504040204" pitchFamily="34" charset="-120"/>
+                <a:ea typeface="微軟正黑體" panose="020B0604030504040204" pitchFamily="34" charset="-120"/>
+                <a:cs typeface="Heiti TC Light"/>
+              </a:rPr>
+              <a:t>執行程式</a:t>
+            </a:r>
+            <a:endParaRPr kumimoji="1" lang="en-US" altLang="zh-TW" sz="3200" dirty="0">
+              <a:solidFill>
+                <a:prstClr val="white"/>
+              </a:solidFill>
+              <a:effectLst>
+                <a:outerShdw blurRad="38100" dist="38100" dir="2700000" algn="tl">
+                  <a:srgbClr val="000000">
+                    <a:alpha val="43137"/>
+                  </a:srgbClr>
+                </a:outerShdw>
+              </a:effectLst>
+              <a:latin typeface="微軟正黑體" panose="020B0604030504040204" pitchFamily="34" charset="-120"/>
+              <a:ea typeface="微軟正黑體" panose="020B0604030504040204" pitchFamily="34" charset="-120"/>
+              <a:cs typeface="Heiti TC Light"/>
+            </a:endParaRPr>
+          </a:p>
+          <a:p>
+            <a:pPr marL="514338" indent="-514338">
+              <a:buFont typeface="Arial" panose="020B0604020202020204" pitchFamily="34" charset="0"/>
+              <a:buChar char="•"/>
+            </a:pPr>
+            <a:r>
+              <a:rPr kumimoji="1" lang="zh-TW" altLang="en-US" sz="3200" dirty="0">
+                <a:solidFill>
+                  <a:prstClr val="white"/>
+                </a:solidFill>
+                <a:effectLst>
+                  <a:outerShdw blurRad="38100" dist="38100" dir="2700000" algn="tl">
+                    <a:srgbClr val="000000">
+                      <a:alpha val="43137"/>
+                    </a:srgbClr>
+                  </a:outerShdw>
+                </a:effectLst>
+                <a:latin typeface="微軟正黑體" panose="020B0604030504040204" pitchFamily="34" charset="-120"/>
+                <a:ea typeface="微軟正黑體" panose="020B0604030504040204" pitchFamily="34" charset="-120"/>
+                <a:cs typeface="Heiti TC Light"/>
+              </a:rPr>
+              <a:t>但</a:t>
+            </a:r>
+            <a:r>
+              <a:rPr kumimoji="1" lang="en-US" altLang="zh-TW" sz="3200" dirty="0">
+                <a:solidFill>
+                  <a:prstClr val="white"/>
+                </a:solidFill>
+                <a:effectLst>
+                  <a:outerShdw blurRad="38100" dist="38100" dir="2700000" algn="tl">
+                    <a:srgbClr val="000000">
+                      <a:alpha val="43137"/>
+                    </a:srgbClr>
+                  </a:outerShdw>
+                </a:effectLst>
+                <a:latin typeface="微軟正黑體" panose="020B0604030504040204" pitchFamily="34" charset="-120"/>
+                <a:ea typeface="微軟正黑體" panose="020B0604030504040204" pitchFamily="34" charset="-120"/>
+                <a:cs typeface="Heiti TC Light"/>
+              </a:rPr>
+              <a:t>Flask</a:t>
+            </a:r>
+            <a:r>
+              <a:rPr kumimoji="1" lang="zh-TW" altLang="en-US" sz="3200" dirty="0">
+                <a:solidFill>
+                  <a:prstClr val="white"/>
+                </a:solidFill>
+                <a:effectLst>
+                  <a:outerShdw blurRad="38100" dist="38100" dir="2700000" algn="tl">
+                    <a:srgbClr val="000000">
+                      <a:alpha val="43137"/>
+                    </a:srgbClr>
+                  </a:outerShdw>
+                </a:effectLst>
+                <a:latin typeface="微軟正黑體" panose="020B0604030504040204" pitchFamily="34" charset="-120"/>
+                <a:ea typeface="微軟正黑體" panose="020B0604030504040204" pitchFamily="34" charset="-120"/>
+                <a:cs typeface="Heiti TC Light"/>
+              </a:rPr>
+              <a:t>不是專門用來執行</a:t>
+            </a:r>
+            <a:r>
+              <a:rPr kumimoji="1" lang="en-US" altLang="zh-TW" sz="3200" dirty="0">
+                <a:solidFill>
+                  <a:prstClr val="white"/>
+                </a:solidFill>
+                <a:effectLst>
+                  <a:outerShdw blurRad="38100" dist="38100" dir="2700000" algn="tl">
+                    <a:srgbClr val="000000">
+                      <a:alpha val="43137"/>
+                    </a:srgbClr>
+                  </a:outerShdw>
+                </a:effectLst>
+                <a:latin typeface="微軟正黑體" panose="020B0604030504040204" pitchFamily="34" charset="-120"/>
+                <a:ea typeface="微軟正黑體" panose="020B0604030504040204" pitchFamily="34" charset="-120"/>
+                <a:cs typeface="Heiti TC Light"/>
+              </a:rPr>
+              <a:t>python</a:t>
+            </a:r>
+            <a:r>
+              <a:rPr kumimoji="1" lang="zh-TW" altLang="en-US" sz="3200" dirty="0">
+                <a:solidFill>
+                  <a:prstClr val="white"/>
+                </a:solidFill>
+                <a:effectLst>
+                  <a:outerShdw blurRad="38100" dist="38100" dir="2700000" algn="tl">
+                    <a:srgbClr val="000000">
+                      <a:alpha val="43137"/>
+                    </a:srgbClr>
+                  </a:outerShdw>
+                </a:effectLst>
+                <a:latin typeface="微軟正黑體" panose="020B0604030504040204" pitchFamily="34" charset="-120"/>
+                <a:ea typeface="微軟正黑體" panose="020B0604030504040204" pitchFamily="34" charset="-120"/>
+                <a:cs typeface="Heiti TC Light"/>
+              </a:rPr>
+              <a:t> </a:t>
+            </a:r>
+            <a:r>
+              <a:rPr kumimoji="1" lang="en-US" altLang="zh-TW" sz="3200" dirty="0">
+                <a:solidFill>
+                  <a:prstClr val="white"/>
+                </a:solidFill>
+                <a:effectLst>
+                  <a:outerShdw blurRad="38100" dist="38100" dir="2700000" algn="tl">
+                    <a:srgbClr val="000000">
+                      <a:alpha val="43137"/>
+                    </a:srgbClr>
+                  </a:outerShdw>
+                </a:effectLst>
+                <a:latin typeface="微軟正黑體" panose="020B0604030504040204" pitchFamily="34" charset="-120"/>
+                <a:ea typeface="微軟正黑體" panose="020B0604030504040204" pitchFamily="34" charset="-120"/>
+                <a:cs typeface="Heiti TC Light"/>
+              </a:rPr>
+              <a:t>Web</a:t>
+            </a:r>
+            <a:r>
+              <a:rPr kumimoji="1" lang="zh-TW" altLang="en-US" sz="3200" dirty="0">
+                <a:solidFill>
+                  <a:prstClr val="white"/>
+                </a:solidFill>
+                <a:effectLst>
+                  <a:outerShdw blurRad="38100" dist="38100" dir="2700000" algn="tl">
+                    <a:srgbClr val="000000">
+                      <a:alpha val="43137"/>
+                    </a:srgbClr>
+                  </a:outerShdw>
+                </a:effectLst>
+                <a:latin typeface="微軟正黑體" panose="020B0604030504040204" pitchFamily="34" charset="-120"/>
+                <a:ea typeface="微軟正黑體" panose="020B0604030504040204" pitchFamily="34" charset="-120"/>
+                <a:cs typeface="Heiti TC Light"/>
+              </a:rPr>
+              <a:t>程式的環境，只是為了方便測試</a:t>
+            </a:r>
+            <a:endParaRPr kumimoji="1" lang="en-US" altLang="zh-TW" sz="3200" dirty="0">
+              <a:solidFill>
+                <a:prstClr val="white"/>
+              </a:solidFill>
+              <a:effectLst>
+                <a:outerShdw blurRad="38100" dist="38100" dir="2700000" algn="tl">
+                  <a:srgbClr val="000000">
+                    <a:alpha val="43137"/>
+                  </a:srgbClr>
+                </a:outerShdw>
+              </a:effectLst>
+              <a:latin typeface="微軟正黑體" panose="020B0604030504040204" pitchFamily="34" charset="-120"/>
+              <a:ea typeface="微軟正黑體" panose="020B0604030504040204" pitchFamily="34" charset="-120"/>
+              <a:cs typeface="Heiti TC Light"/>
+            </a:endParaRPr>
+          </a:p>
+          <a:p>
+            <a:pPr marL="514338" indent="-514338">
+              <a:buFont typeface="Arial" panose="020B0604020202020204" pitchFamily="34" charset="0"/>
+              <a:buChar char="•"/>
+            </a:pPr>
+            <a:r>
+              <a:rPr kumimoji="1" lang="zh-TW" altLang="en-US" sz="3200" dirty="0">
+                <a:solidFill>
+                  <a:prstClr val="white"/>
+                </a:solidFill>
+                <a:effectLst>
+                  <a:outerShdw blurRad="38100" dist="38100" dir="2700000" algn="tl">
+                    <a:srgbClr val="000000">
+                      <a:alpha val="43137"/>
+                    </a:srgbClr>
+                  </a:outerShdw>
+                </a:effectLst>
+                <a:latin typeface="微軟正黑體" panose="020B0604030504040204" pitchFamily="34" charset="-120"/>
+                <a:ea typeface="微軟正黑體" panose="020B0604030504040204" pitchFamily="34" charset="-120"/>
+                <a:cs typeface="Heiti TC Light"/>
+              </a:rPr>
+              <a:t>必須使用真正在網頁上執行</a:t>
+            </a:r>
+            <a:r>
+              <a:rPr kumimoji="1" lang="en-US" altLang="zh-TW" sz="3200" dirty="0">
+                <a:solidFill>
+                  <a:prstClr val="white"/>
+                </a:solidFill>
+                <a:effectLst>
+                  <a:outerShdw blurRad="38100" dist="38100" dir="2700000" algn="tl">
+                    <a:srgbClr val="000000">
+                      <a:alpha val="43137"/>
+                    </a:srgbClr>
+                  </a:outerShdw>
+                </a:effectLst>
+                <a:latin typeface="微軟正黑體" panose="020B0604030504040204" pitchFamily="34" charset="-120"/>
+                <a:ea typeface="微軟正黑體" panose="020B0604030504040204" pitchFamily="34" charset="-120"/>
+                <a:cs typeface="Heiti TC Light"/>
+              </a:rPr>
+              <a:t>Python</a:t>
+            </a:r>
+            <a:r>
+              <a:rPr kumimoji="1" lang="zh-TW" altLang="en-US" sz="3200" dirty="0">
+                <a:solidFill>
+                  <a:prstClr val="white"/>
+                </a:solidFill>
+                <a:effectLst>
+                  <a:outerShdw blurRad="38100" dist="38100" dir="2700000" algn="tl">
+                    <a:srgbClr val="000000">
+                      <a:alpha val="43137"/>
+                    </a:srgbClr>
+                  </a:outerShdw>
+                </a:effectLst>
+                <a:latin typeface="微軟正黑體" panose="020B0604030504040204" pitchFamily="34" charset="-120"/>
+                <a:ea typeface="微軟正黑體" panose="020B0604030504040204" pitchFamily="34" charset="-120"/>
+                <a:cs typeface="Heiti TC Light"/>
+              </a:rPr>
+              <a:t>的環境，稱為</a:t>
+            </a:r>
+            <a:r>
+              <a:rPr kumimoji="1" lang="en-US" altLang="zh-TW" sz="3200" dirty="0">
+                <a:solidFill>
+                  <a:prstClr val="white"/>
+                </a:solidFill>
+                <a:effectLst>
+                  <a:outerShdw blurRad="38100" dist="38100" dir="2700000" algn="tl">
+                    <a:srgbClr val="000000">
+                      <a:alpha val="43137"/>
+                    </a:srgbClr>
+                  </a:outerShdw>
+                </a:effectLst>
+                <a:latin typeface="微軟正黑體" panose="020B0604030504040204" pitchFamily="34" charset="-120"/>
+                <a:ea typeface="微軟正黑體" panose="020B0604030504040204" pitchFamily="34" charset="-120"/>
+                <a:cs typeface="Heiti TC Light"/>
+              </a:rPr>
+              <a:t>WSGI</a:t>
+            </a:r>
+            <a:r>
+              <a:rPr kumimoji="1" lang="zh-TW" altLang="en-US" sz="3200" dirty="0">
+                <a:solidFill>
+                  <a:prstClr val="white"/>
+                </a:solidFill>
+                <a:effectLst>
+                  <a:outerShdw blurRad="38100" dist="38100" dir="2700000" algn="tl">
+                    <a:srgbClr val="000000">
+                      <a:alpha val="43137"/>
+                    </a:srgbClr>
+                  </a:outerShdw>
+                </a:effectLst>
+                <a:latin typeface="微軟正黑體" panose="020B0604030504040204" pitchFamily="34" charset="-120"/>
+                <a:ea typeface="微軟正黑體" panose="020B0604030504040204" pitchFamily="34" charset="-120"/>
+                <a:cs typeface="Heiti TC Light"/>
+              </a:rPr>
+              <a:t>伺服器</a:t>
+            </a:r>
+            <a:endParaRPr kumimoji="1" lang="en-US" altLang="zh-TW" sz="3200" dirty="0">
+              <a:solidFill>
+                <a:prstClr val="white"/>
+              </a:solidFill>
+              <a:effectLst>
+                <a:outerShdw blurRad="38100" dist="38100" dir="2700000" algn="tl">
+                  <a:srgbClr val="000000">
+                    <a:alpha val="43137"/>
+                  </a:srgbClr>
+                </a:outerShdw>
+              </a:effectLst>
+              <a:latin typeface="微軟正黑體" panose="020B0604030504040204" pitchFamily="34" charset="-120"/>
+              <a:ea typeface="微軟正黑體" panose="020B0604030504040204" pitchFamily="34" charset="-120"/>
+              <a:cs typeface="Heiti TC Light"/>
+            </a:endParaRPr>
+          </a:p>
+          <a:p>
+            <a:pPr marL="514338" indent="-514338">
+              <a:buFont typeface="Arial" panose="020B0604020202020204" pitchFamily="34" charset="0"/>
+              <a:buChar char="•"/>
+            </a:pPr>
+            <a:endParaRPr kumimoji="1" lang="en-US" altLang="zh-TW" sz="3200" dirty="0">
+              <a:solidFill>
+                <a:prstClr val="white"/>
+              </a:solidFill>
+              <a:effectLst>
+                <a:outerShdw blurRad="38100" dist="38100" dir="2700000" algn="tl">
+                  <a:srgbClr val="000000">
+                    <a:alpha val="43137"/>
+                  </a:srgbClr>
+                </a:outerShdw>
+              </a:effectLst>
+              <a:latin typeface="微軟正黑體" panose="020B0604030504040204" pitchFamily="34" charset="-120"/>
+              <a:ea typeface="微軟正黑體" panose="020B0604030504040204" pitchFamily="34" charset="-120"/>
+              <a:cs typeface="Heiti TC Light"/>
+            </a:endParaRPr>
+          </a:p>
+        </p:txBody>
+      </p:sp>
+      <p:sp>
+        <p:nvSpPr>
+          <p:cNvPr id="4" name="文字版面配置區 2">
+            <a:extLst>
+              <a:ext uri="{FF2B5EF4-FFF2-40B4-BE49-F238E27FC236}">
+                <a16:creationId xmlns:a16="http://schemas.microsoft.com/office/drawing/2014/main" id="{3A68D5AA-8AA7-7B63-D1DA-5C48480D7B68}"/>
+              </a:ext>
+            </a:extLst>
+          </p:cNvPr>
+          <p:cNvSpPr txBox="1">
+            <a:spLocks/>
+          </p:cNvSpPr>
+          <p:nvPr/>
+        </p:nvSpPr>
+        <p:spPr>
+          <a:xfrm>
+            <a:off x="1543085" y="216828"/>
+            <a:ext cx="6528620" cy="990600"/>
+          </a:xfrm>
+          <a:prstGeom prst="rect">
+            <a:avLst/>
+          </a:prstGeom>
+        </p:spPr>
+        <p:txBody>
+          <a:bodyPr tIns="91440" bIns="91440" anchor="b" anchorCtr="0">
+            <a:noAutofit/>
+          </a:bodyPr>
+          <a:lstStyle/>
+          <a:p>
+            <a:pPr algn="just">
+              <a:spcBef>
+                <a:spcPct val="20000"/>
+              </a:spcBef>
+              <a:defRPr/>
+            </a:pPr>
+            <a:r>
+              <a:rPr lang="zh-TW" altLang="en-US" sz="4800" b="1" kern="0" dirty="0">
+                <a:solidFill>
+                  <a:srgbClr val="00B0F0"/>
+                </a:solidFill>
+                <a:effectLst>
+                  <a:outerShdw blurRad="38100" dist="38100" dir="2700000" algn="tl">
+                    <a:srgbClr val="000000">
+                      <a:alpha val="43137"/>
+                    </a:srgbClr>
+                  </a:outerShdw>
+                </a:effectLst>
+                <a:latin typeface="微軟正黑體" panose="020B0604030504040204" pitchFamily="34" charset="-120"/>
+                <a:ea typeface="微軟正黑體" panose="020B0604030504040204" pitchFamily="34" charset="-120"/>
+              </a:rPr>
+              <a:t>不再使用</a:t>
+            </a:r>
+            <a:r>
+              <a:rPr lang="en-US" altLang="zh-TW" sz="4800" b="1" kern="0" dirty="0">
+                <a:solidFill>
+                  <a:srgbClr val="00B0F0"/>
+                </a:solidFill>
+                <a:effectLst>
+                  <a:outerShdw blurRad="38100" dist="38100" dir="2700000" algn="tl">
+                    <a:srgbClr val="000000">
+                      <a:alpha val="43137"/>
+                    </a:srgbClr>
+                  </a:outerShdw>
+                </a:effectLst>
+                <a:latin typeface="微軟正黑體" panose="020B0604030504040204" pitchFamily="34" charset="-120"/>
+                <a:ea typeface="微軟正黑體" panose="020B0604030504040204" pitchFamily="34" charset="-120"/>
+              </a:rPr>
+              <a:t>Flask</a:t>
+            </a:r>
+            <a:r>
+              <a:rPr lang="zh-TW" altLang="en-US" sz="4800" b="1" kern="0" dirty="0">
+                <a:solidFill>
+                  <a:srgbClr val="00B0F0"/>
+                </a:solidFill>
+                <a:effectLst>
+                  <a:outerShdw blurRad="38100" dist="38100" dir="2700000" algn="tl">
+                    <a:srgbClr val="000000">
+                      <a:alpha val="43137"/>
+                    </a:srgbClr>
+                  </a:outerShdw>
+                </a:effectLst>
+                <a:latin typeface="微軟正黑體" panose="020B0604030504040204" pitchFamily="34" charset="-120"/>
+                <a:ea typeface="微軟正黑體" panose="020B0604030504040204" pitchFamily="34" charset="-120"/>
+              </a:rPr>
+              <a:t>來執行</a:t>
+            </a:r>
+          </a:p>
+        </p:txBody>
+      </p:sp>
+      <p:pic>
+        <p:nvPicPr>
+          <p:cNvPr id="3" name="圖片 2">
+            <a:extLst>
+              <a:ext uri="{FF2B5EF4-FFF2-40B4-BE49-F238E27FC236}">
+                <a16:creationId xmlns:a16="http://schemas.microsoft.com/office/drawing/2014/main" id="{E328E228-7746-3436-F650-59DCD8502F83}"/>
+              </a:ext>
+            </a:extLst>
+          </p:cNvPr>
+          <p:cNvPicPr>
+            <a:picLocks noChangeAspect="1"/>
+          </p:cNvPicPr>
+          <p:nvPr/>
+        </p:nvPicPr>
+        <p:blipFill>
+          <a:blip r:embed="rId3"/>
+          <a:stretch>
+            <a:fillRect/>
+          </a:stretch>
+        </p:blipFill>
+        <p:spPr>
+          <a:xfrm>
+            <a:off x="531160" y="5349694"/>
+            <a:ext cx="7239000" cy="1304925"/>
+          </a:xfrm>
+          <a:prstGeom prst="rect">
+            <a:avLst/>
+          </a:prstGeom>
+        </p:spPr>
+      </p:pic>
+    </p:spTree>
+    <p:extLst>
+      <p:ext uri="{BB962C8B-B14F-4D97-AF65-F5344CB8AC3E}">
+        <p14:creationId xmlns:p14="http://schemas.microsoft.com/office/powerpoint/2010/main" val="3647241690"/>
+      </p:ext>
+    </p:extLst>
+  </p:cSld>
+  <p:clrMapOvr>
+    <a:masterClrMapping/>
+  </p:clrMapOvr>
+  <p:transition>
+    <p:fade/>
+  </p:transition>
+</p:sld>
+</file>
+
+<file path=ppt/slides/slide45.xml><?xml version="1.0" encoding="utf-8"?>
+<p:sld xmlns:a="http://schemas.openxmlformats.org/drawingml/2006/main" xmlns:r="http://schemas.openxmlformats.org/officeDocument/2006/relationships" xmlns:p="http://schemas.openxmlformats.org/presentationml/2006/main">
+  <p:cSld>
+    <p:spTree>
+      <p:nvGrpSpPr>
+        <p:cNvPr id="1" name=""/>
+        <p:cNvGrpSpPr/>
+        <p:nvPr/>
+      </p:nvGrpSpPr>
+      <p:grpSpPr>
+        <a:xfrm>
+          <a:off x="0" y="0"/>
+          <a:ext cx="0" cy="0"/>
+          <a:chOff x="0" y="0"/>
+          <a:chExt cx="0" cy="0"/>
+        </a:xfrm>
+      </p:grpSpPr>
+      <p:pic>
+        <p:nvPicPr>
+          <p:cNvPr id="1026" name="Picture 2">
+            <a:extLst>
+              <a:ext uri="{FF2B5EF4-FFF2-40B4-BE49-F238E27FC236}">
+                <a16:creationId xmlns:a16="http://schemas.microsoft.com/office/drawing/2014/main" id="{E11F7347-6618-BFA6-8D79-510579726E0C}"/>
+              </a:ext>
+            </a:extLst>
+          </p:cNvPr>
+          <p:cNvPicPr>
+            <a:picLocks noChangeAspect="1" noChangeArrowheads="1"/>
+          </p:cNvPicPr>
+          <p:nvPr/>
+        </p:nvPicPr>
+        <p:blipFill>
+          <a:blip r:embed="rId2">
+            <a:extLst>
+              <a:ext uri="{28A0092B-C50C-407E-A947-70E740481C1C}">
+                <a14:useLocalDpi xmlns:a14="http://schemas.microsoft.com/office/drawing/2010/main" val="0"/>
+              </a:ext>
+            </a:extLst>
+          </a:blip>
+          <a:srcRect/>
+          <a:stretch>
+            <a:fillRect/>
+          </a:stretch>
+        </p:blipFill>
+        <p:spPr bwMode="auto">
+          <a:xfrm>
+            <a:off x="127900" y="1293439"/>
+            <a:ext cx="8926137" cy="4228819"/>
+          </a:xfrm>
+          <a:prstGeom prst="rect">
+            <a:avLst/>
+          </a:prstGeom>
+          <a:noFill/>
+          <a:extLst>
+            <a:ext uri="{909E8E84-426E-40DD-AFC4-6F175D3DCCD1}">
+              <a14:hiddenFill xmlns:a14="http://schemas.microsoft.com/office/drawing/2010/main">
+                <a:solidFill>
+                  <a:srgbClr val="FFFFFF"/>
+                </a:solidFill>
+              </a14:hiddenFill>
+            </a:ext>
+          </a:extLst>
+        </p:spPr>
+      </p:pic>
+    </p:spTree>
+    <p:extLst>
+      <p:ext uri="{BB962C8B-B14F-4D97-AF65-F5344CB8AC3E}">
+        <p14:creationId xmlns:p14="http://schemas.microsoft.com/office/powerpoint/2010/main" val="1588046451"/>
+      </p:ext>
+    </p:extLst>
+  </p:cSld>
+  <p:clrMapOvr>
+    <a:masterClrMapping/>
+  </p:clrMapOvr>
+  <p:transition>
+    <p:fade/>
+  </p:transition>
+</p:sld>
+</file>
+
+<file path=ppt/slides/slide46.xml><?xml version="1.0" encoding="utf-8"?>
+<p:sld xmlns:a="http://schemas.openxmlformats.org/drawingml/2006/main" xmlns:r="http://schemas.openxmlformats.org/officeDocument/2006/relationships" xmlns:p="http://schemas.openxmlformats.org/presentationml/2006/main">
+  <p:cSld>
+    <p:spTree>
+      <p:nvGrpSpPr>
+        <p:cNvPr id="1" name="">
+          <a:extLst>
+            <a:ext uri="{FF2B5EF4-FFF2-40B4-BE49-F238E27FC236}">
+              <a16:creationId xmlns:a16="http://schemas.microsoft.com/office/drawing/2014/main" id="{9AF2F688-2628-78F1-3436-144035D8AE35}"/>
+            </a:ext>
+          </a:extLst>
+        </p:cNvPr>
+        <p:cNvGrpSpPr/>
+        <p:nvPr/>
+      </p:nvGrpSpPr>
+      <p:grpSpPr>
+        <a:xfrm>
+          <a:off x="0" y="0"/>
+          <a:ext cx="0" cy="0"/>
+          <a:chOff x="0" y="0"/>
+          <a:chExt cx="0" cy="0"/>
+        </a:xfrm>
+      </p:grpSpPr>
+      <p:sp>
+        <p:nvSpPr>
+          <p:cNvPr id="4" name="文字方塊 3">
+            <a:extLst>
+              <a:ext uri="{FF2B5EF4-FFF2-40B4-BE49-F238E27FC236}">
+                <a16:creationId xmlns:a16="http://schemas.microsoft.com/office/drawing/2014/main" id="{8CC62178-E04A-6E7B-A066-B1D40DFDA8F1}"/>
+              </a:ext>
+            </a:extLst>
+          </p:cNvPr>
+          <p:cNvSpPr txBox="1"/>
+          <p:nvPr/>
+        </p:nvSpPr>
+        <p:spPr>
+          <a:xfrm>
+            <a:off x="773244" y="2846352"/>
+            <a:ext cx="7772400" cy="830997"/>
+          </a:xfrm>
+          <a:prstGeom prst="rect">
+            <a:avLst/>
+          </a:prstGeom>
+          <a:noFill/>
+        </p:spPr>
+        <p:txBody>
+          <a:bodyPr wrap="square" rtlCol="0">
+            <a:spAutoFit/>
+          </a:bodyPr>
+          <a:lstStyle/>
+          <a:p>
+            <a:pPr algn="ctr"/>
+            <a:r>
+              <a:rPr kumimoji="1" lang="en-US" altLang="zh-TW" sz="4800" b="1" dirty="0">
+                <a:solidFill>
+                  <a:srgbClr val="00B0F0"/>
+                </a:solidFill>
+                <a:effectLst>
+                  <a:outerShdw blurRad="38100" dist="38100" dir="2700000" algn="tl">
+                    <a:srgbClr val="000000">
+                      <a:alpha val="43137"/>
+                    </a:srgbClr>
+                  </a:outerShdw>
+                </a:effectLst>
+                <a:latin typeface="微軟正黑體" panose="020B0604030504040204" pitchFamily="34" charset="-120"/>
+                <a:ea typeface="微軟正黑體" panose="020B0604030504040204" pitchFamily="34" charset="-120"/>
+                <a:cs typeface="Arial"/>
+              </a:rPr>
+              <a:t>requirements.txt</a:t>
+            </a:r>
+            <a:endParaRPr kumimoji="1" lang="zh-TW" altLang="en-US" sz="4800" b="1" dirty="0">
+              <a:solidFill>
+                <a:srgbClr val="00B0F0"/>
+              </a:solidFill>
+              <a:effectLst>
+                <a:outerShdw blurRad="38100" dist="38100" dir="2700000" algn="tl">
+                  <a:srgbClr val="000000">
+                    <a:alpha val="43137"/>
+                  </a:srgbClr>
+                </a:outerShdw>
+              </a:effectLst>
+              <a:latin typeface="微軟正黑體" panose="020B0604030504040204" pitchFamily="34" charset="-120"/>
+              <a:ea typeface="微軟正黑體" panose="020B0604030504040204" pitchFamily="34" charset="-120"/>
+              <a:cs typeface="Arial"/>
+            </a:endParaRPr>
+          </a:p>
+        </p:txBody>
+      </p:sp>
+    </p:spTree>
+    <p:extLst>
+      <p:ext uri="{BB962C8B-B14F-4D97-AF65-F5344CB8AC3E}">
+        <p14:creationId xmlns:p14="http://schemas.microsoft.com/office/powerpoint/2010/main" val="1520292794"/>
+      </p:ext>
+    </p:extLst>
+  </p:cSld>
+  <p:clrMapOvr>
+    <a:masterClrMapping/>
+  </p:clrMapOvr>
+  <p:transition>
+    <p:fade/>
+  </p:transition>
+</p:sld>
+</file>
+
+<file path=ppt/slides/slide47.xml><?xml version="1.0" encoding="utf-8"?>
+<p:sld xmlns:a="http://schemas.openxmlformats.org/drawingml/2006/main" xmlns:r="http://schemas.openxmlformats.org/officeDocument/2006/relationships" xmlns:p="http://schemas.openxmlformats.org/presentationml/2006/main">
+  <p:cSld>
+    <p:spTree>
+      <p:nvGrpSpPr>
+        <p:cNvPr id="1" name=""/>
+        <p:cNvGrpSpPr/>
+        <p:nvPr/>
+      </p:nvGrpSpPr>
+      <p:grpSpPr>
+        <a:xfrm>
+          <a:off x="0" y="0"/>
+          <a:ext cx="0" cy="0"/>
+          <a:chOff x="0" y="0"/>
+          <a:chExt cx="0" cy="0"/>
+        </a:xfrm>
+      </p:grpSpPr>
+      <p:pic>
+        <p:nvPicPr>
+          <p:cNvPr id="5" name="圖片 4">
+            <a:extLst>
+              <a:ext uri="{FF2B5EF4-FFF2-40B4-BE49-F238E27FC236}">
+                <a16:creationId xmlns:a16="http://schemas.microsoft.com/office/drawing/2014/main" id="{21EE31C4-39FC-015E-4522-A866E2E3592A}"/>
+              </a:ext>
+            </a:extLst>
+          </p:cNvPr>
+          <p:cNvPicPr>
+            <a:picLocks noChangeAspect="1"/>
+          </p:cNvPicPr>
+          <p:nvPr/>
+        </p:nvPicPr>
+        <p:blipFill>
+          <a:blip r:embed="rId2"/>
+          <a:stretch>
+            <a:fillRect/>
+          </a:stretch>
+        </p:blipFill>
+        <p:spPr>
+          <a:xfrm>
+            <a:off x="157723" y="936812"/>
+            <a:ext cx="8395375" cy="3832411"/>
+          </a:xfrm>
+          <a:prstGeom prst="rect">
+            <a:avLst/>
+          </a:prstGeom>
+        </p:spPr>
+      </p:pic>
+    </p:spTree>
+    <p:extLst>
+      <p:ext uri="{BB962C8B-B14F-4D97-AF65-F5344CB8AC3E}">
+        <p14:creationId xmlns:p14="http://schemas.microsoft.com/office/powerpoint/2010/main" val="982592146"/>
       </p:ext>
     </p:extLst>
   </p:cSld>
